--- a/docs/Presentacion1/Gestión de Tarjetas Universitarias v2.pptx
+++ b/docs/Presentacion1/Gestión de Tarjetas Universitarias v2.pptx
@@ -4,34 +4,46 @@
   <p:sldMasterIdLst>
     <p:sldMasterId id="2147483660" r:id="rId1"/>
   </p:sldMasterIdLst>
+  <p:notesMasterIdLst>
+    <p:notesMasterId r:id="rId38"/>
+  </p:notesMasterIdLst>
   <p:sldIdLst>
     <p:sldId id="256" r:id="rId2"/>
     <p:sldId id="257" r:id="rId3"/>
-    <p:sldId id="258" r:id="rId4"/>
-    <p:sldId id="265" r:id="rId5"/>
-    <p:sldId id="266" r:id="rId6"/>
-    <p:sldId id="267" r:id="rId7"/>
-    <p:sldId id="268" r:id="rId8"/>
-    <p:sldId id="269" r:id="rId9"/>
-    <p:sldId id="259" r:id="rId10"/>
-    <p:sldId id="270" r:id="rId11"/>
-    <p:sldId id="260" r:id="rId12"/>
-    <p:sldId id="271" r:id="rId13"/>
-    <p:sldId id="276" r:id="rId14"/>
-    <p:sldId id="277" r:id="rId15"/>
-    <p:sldId id="261" r:id="rId16"/>
-    <p:sldId id="272" r:id="rId17"/>
-    <p:sldId id="262" r:id="rId18"/>
-    <p:sldId id="283" r:id="rId19"/>
-    <p:sldId id="273" r:id="rId20"/>
-    <p:sldId id="263" r:id="rId21"/>
-    <p:sldId id="282" r:id="rId22"/>
-    <p:sldId id="274" r:id="rId23"/>
-    <p:sldId id="278" r:id="rId24"/>
-    <p:sldId id="279" r:id="rId25"/>
-    <p:sldId id="280" r:id="rId26"/>
-    <p:sldId id="264" r:id="rId27"/>
-    <p:sldId id="275" r:id="rId28"/>
+    <p:sldId id="292" r:id="rId4"/>
+    <p:sldId id="291" r:id="rId5"/>
+    <p:sldId id="293" r:id="rId6"/>
+    <p:sldId id="294" r:id="rId7"/>
+    <p:sldId id="295" r:id="rId8"/>
+    <p:sldId id="296" r:id="rId9"/>
+    <p:sldId id="258" r:id="rId10"/>
+    <p:sldId id="265" r:id="rId11"/>
+    <p:sldId id="266" r:id="rId12"/>
+    <p:sldId id="267" r:id="rId13"/>
+    <p:sldId id="268" r:id="rId14"/>
+    <p:sldId id="269" r:id="rId15"/>
+    <p:sldId id="259" r:id="rId16"/>
+    <p:sldId id="270" r:id="rId17"/>
+    <p:sldId id="260" r:id="rId18"/>
+    <p:sldId id="271" r:id="rId19"/>
+    <p:sldId id="276" r:id="rId20"/>
+    <p:sldId id="277" r:id="rId21"/>
+    <p:sldId id="261" r:id="rId22"/>
+    <p:sldId id="272" r:id="rId23"/>
+    <p:sldId id="262" r:id="rId24"/>
+    <p:sldId id="283" r:id="rId25"/>
+    <p:sldId id="273" r:id="rId26"/>
+    <p:sldId id="263" r:id="rId27"/>
+    <p:sldId id="282" r:id="rId28"/>
+    <p:sldId id="274" r:id="rId29"/>
+    <p:sldId id="278" r:id="rId30"/>
+    <p:sldId id="279" r:id="rId31"/>
+    <p:sldId id="280" r:id="rId32"/>
+    <p:sldId id="264" r:id="rId33"/>
+    <p:sldId id="275" r:id="rId34"/>
+    <p:sldId id="297" r:id="rId35"/>
+    <p:sldId id="288" r:id="rId36"/>
+    <p:sldId id="289" r:id="rId37"/>
   </p:sldIdLst>
   <p:sldSz cx="9144000" cy="6858000" type="screen4x3"/>
   <p:notesSz cx="6858000" cy="9144000"/>
@@ -141,6 +153,12 @@
         <p14:section name="Planteamiento del problema" id="{1DA21420-EC90-4904-B4BC-E5F7854584F5}">
           <p14:sldIdLst>
             <p14:sldId id="257"/>
+            <p14:sldId id="292"/>
+            <p14:sldId id="291"/>
+            <p14:sldId id="293"/>
+            <p14:sldId id="294"/>
+            <p14:sldId id="295"/>
+            <p14:sldId id="296"/>
           </p14:sldIdLst>
         </p14:section>
         <p14:section name="Presentación Técnica" id="{8C79CB65-D705-49F7-BC17-64C14E08BC15}">
@@ -170,6 +188,9 @@
             <p14:sldId id="280"/>
             <p14:sldId id="264"/>
             <p14:sldId id="275"/>
+            <p14:sldId id="297"/>
+            <p14:sldId id="288"/>
+            <p14:sldId id="289"/>
           </p14:sldIdLst>
         </p14:section>
       </p14:sectionLst>
@@ -179,6 +200,493 @@
     </p:ext>
   </p:extLst>
 </p:presentation>
+</file>
+
+<file path=ppt/commentAuthors.xml><?xml version="1.0" encoding="utf-8"?>
+<p:cmAuthorLst xmlns:a="http://schemas.openxmlformats.org/drawingml/2006/main" xmlns:r="http://schemas.openxmlformats.org/officeDocument/2006/relationships" xmlns:p="http://schemas.openxmlformats.org/presentationml/2006/main">
+  <p:cmAuthor id="1" name="Manuel" initials="M" lastIdx="4" clrIdx="0">
+    <p:extLst>
+      <p:ext uri="{19B8F6BF-5375-455C-9EA6-DF929625EA0E}">
+        <p15:presenceInfo xmlns:p15="http://schemas.microsoft.com/office/powerpoint/2012/main" userId="Manuel" providerId="None"/>
+      </p:ext>
+    </p:extLst>
+  </p:cmAuthor>
+</p:cmAuthorLst>
+</file>
+
+<file path=ppt/comments/comment1.xml><?xml version="1.0" encoding="utf-8"?>
+<p:cmLst xmlns:a="http://schemas.openxmlformats.org/drawingml/2006/main" xmlns:r="http://schemas.openxmlformats.org/officeDocument/2006/relationships" xmlns:p="http://schemas.openxmlformats.org/presentationml/2006/main">
+  <p:cm authorId="1" dt="2014-04-05T10:44:03.008" idx="1">
+    <p:pos x="2929" y="1176"/>
+    <p:text>Es una demanda que realizan varios colectivos que interactuan durante el proceso como son Estudiante,Universidad, Bancos y estampadoras</p:text>
+    <p:extLst>
+      <p:ext uri="{C676402C-5697-4E1C-873F-D02D1690AC5C}">
+        <p15:threadingInfo xmlns:p15="http://schemas.microsoft.com/office/powerpoint/2012/main" timeZoneBias="-120"/>
+      </p:ext>
+    </p:extLst>
+  </p:cm>
+  <p:cm authorId="1" dt="2014-04-05T10:45:15.892" idx="2">
+    <p:pos x="2442" y="1809"/>
+    <p:text>Quieren tener una manera telematica de poder gestionar la expedicion de tarjetas ahorrando de esta manera en gasto y agilizando los tramites para la tramitacion</p:text>
+    <p:extLst>
+      <p:ext uri="{C676402C-5697-4E1C-873F-D02D1690AC5C}">
+        <p15:threadingInfo xmlns:p15="http://schemas.microsoft.com/office/powerpoint/2012/main" timeZoneBias="-120"/>
+      </p:ext>
+    </p:extLst>
+  </p:cm>
+  <p:cm authorId="1" dt="2014-04-05T10:46:32.012" idx="3">
+    <p:pos x="3651" y="2515"/>
+    <p:text>Es una necesidad real ya que no consiste en ofrecer un nuevo servicio, es decir, el servicio ya existe y se sabe que el numero de solicitudes es alto</p:text>
+    <p:extLst>
+      <p:ext uri="{C676402C-5697-4E1C-873F-D02D1690AC5C}">
+        <p15:threadingInfo xmlns:p15="http://schemas.microsoft.com/office/powerpoint/2012/main" timeZoneBias="-120"/>
+      </p:ext>
+    </p:extLst>
+  </p:cm>
+  <p:cm authorId="1" dt="2014-04-05T10:47:22.145" idx="4">
+    <p:pos x="3448" y="3229"/>
+    <p:text>TIene que ser un sistema gestionado, que sea capaz de salvaguardar la integridad y la confidencialidad de los datos.</p:text>
+    <p:extLst>
+      <p:ext uri="{C676402C-5697-4E1C-873F-D02D1690AC5C}">
+        <p15:threadingInfo xmlns:p15="http://schemas.microsoft.com/office/powerpoint/2012/main" timeZoneBias="-120"/>
+      </p:ext>
+    </p:extLst>
+  </p:cm>
+</p:cmLst>
+</file>
+
+<file path=ppt/notesMasters/notesMaster1.xml><?xml version="1.0" encoding="utf-8"?>
+<p:notesMaster xmlns:a="http://schemas.openxmlformats.org/drawingml/2006/main" xmlns:r="http://schemas.openxmlformats.org/officeDocument/2006/relationships" xmlns:p="http://schemas.openxmlformats.org/presentationml/2006/main">
+  <p:cSld>
+    <p:bg>
+      <p:bgRef idx="1001">
+        <a:schemeClr val="bg1"/>
+      </p:bgRef>
+    </p:bg>
+    <p:spTree>
+      <p:nvGrpSpPr>
+        <p:cNvPr id="1" name=""/>
+        <p:cNvGrpSpPr/>
+        <p:nvPr/>
+      </p:nvGrpSpPr>
+      <p:grpSpPr>
+        <a:xfrm>
+          <a:off x="0" y="0"/>
+          <a:ext cx="0" cy="0"/>
+          <a:chOff x="0" y="0"/>
+          <a:chExt cx="0" cy="0"/>
+        </a:xfrm>
+      </p:grpSpPr>
+      <p:sp>
+        <p:nvSpPr>
+          <p:cNvPr id="2" name="Marcador de encabezado 1"/>
+          <p:cNvSpPr>
+            <a:spLocks noGrp="1"/>
+          </p:cNvSpPr>
+          <p:nvPr>
+            <p:ph type="hdr" sz="quarter"/>
+          </p:nvPr>
+        </p:nvSpPr>
+        <p:spPr>
+          <a:xfrm>
+            <a:off x="0" y="0"/>
+            <a:ext cx="2971800" cy="458788"/>
+          </a:xfrm>
+          <a:prstGeom prst="rect">
+            <a:avLst/>
+          </a:prstGeom>
+        </p:spPr>
+        <p:txBody>
+          <a:bodyPr vert="horz" lIns="91440" tIns="45720" rIns="91440" bIns="45720" rtlCol="0"/>
+          <a:lstStyle>
+            <a:lvl1pPr algn="l">
+              <a:defRPr sz="1200"/>
+            </a:lvl1pPr>
+          </a:lstStyle>
+          <a:p>
+            <a:endParaRPr lang="es-ES"/>
+          </a:p>
+        </p:txBody>
+      </p:sp>
+      <p:sp>
+        <p:nvSpPr>
+          <p:cNvPr id="3" name="Marcador de fecha 2"/>
+          <p:cNvSpPr>
+            <a:spLocks noGrp="1"/>
+          </p:cNvSpPr>
+          <p:nvPr>
+            <p:ph type="dt" idx="1"/>
+          </p:nvPr>
+        </p:nvSpPr>
+        <p:spPr>
+          <a:xfrm>
+            <a:off x="3884613" y="0"/>
+            <a:ext cx="2971800" cy="458788"/>
+          </a:xfrm>
+          <a:prstGeom prst="rect">
+            <a:avLst/>
+          </a:prstGeom>
+        </p:spPr>
+        <p:txBody>
+          <a:bodyPr vert="horz" lIns="91440" tIns="45720" rIns="91440" bIns="45720" rtlCol="0"/>
+          <a:lstStyle>
+            <a:lvl1pPr algn="r">
+              <a:defRPr sz="1200"/>
+            </a:lvl1pPr>
+          </a:lstStyle>
+          <a:p>
+            <a:fld id="{A4F9DDE4-C59D-492B-9E70-A75C7207128B}" type="datetimeFigureOut">
+              <a:rPr lang="es-ES" smtClean="0"/>
+              <a:t>05/04/2014</a:t>
+            </a:fld>
+            <a:endParaRPr lang="es-ES"/>
+          </a:p>
+        </p:txBody>
+      </p:sp>
+      <p:sp>
+        <p:nvSpPr>
+          <p:cNvPr id="4" name="Marcador de imagen de diapositiva 3"/>
+          <p:cNvSpPr>
+            <a:spLocks noGrp="1" noRot="1" noChangeAspect="1"/>
+          </p:cNvSpPr>
+          <p:nvPr>
+            <p:ph type="sldImg" idx="2"/>
+          </p:nvPr>
+        </p:nvSpPr>
+        <p:spPr>
+          <a:xfrm>
+            <a:off x="1371600" y="1143000"/>
+            <a:ext cx="4114800" cy="3086100"/>
+          </a:xfrm>
+          <a:prstGeom prst="rect">
+            <a:avLst/>
+          </a:prstGeom>
+          <a:noFill/>
+          <a:ln w="12700">
+            <a:solidFill>
+              <a:prstClr val="black"/>
+            </a:solidFill>
+          </a:ln>
+        </p:spPr>
+        <p:txBody>
+          <a:bodyPr vert="horz" lIns="91440" tIns="45720" rIns="91440" bIns="45720" rtlCol="0" anchor="ctr"/>
+          <a:lstStyle/>
+          <a:p>
+            <a:endParaRPr lang="es-ES"/>
+          </a:p>
+        </p:txBody>
+      </p:sp>
+      <p:sp>
+        <p:nvSpPr>
+          <p:cNvPr id="5" name="Marcador de notas 4"/>
+          <p:cNvSpPr>
+            <a:spLocks noGrp="1"/>
+          </p:cNvSpPr>
+          <p:nvPr>
+            <p:ph type="body" sz="quarter" idx="3"/>
+          </p:nvPr>
+        </p:nvSpPr>
+        <p:spPr>
+          <a:xfrm>
+            <a:off x="685800" y="4400550"/>
+            <a:ext cx="5486400" cy="3600450"/>
+          </a:xfrm>
+          <a:prstGeom prst="rect">
+            <a:avLst/>
+          </a:prstGeom>
+        </p:spPr>
+        <p:txBody>
+          <a:bodyPr vert="horz" lIns="91440" tIns="45720" rIns="91440" bIns="45720" rtlCol="0"/>
+          <a:lstStyle/>
+          <a:p>
+            <a:pPr lvl="0"/>
+            <a:r>
+              <a:rPr lang="es-ES" smtClean="0"/>
+              <a:t>Haga clic para modificar el estilo de texto del patrón</a:t>
+            </a:r>
+          </a:p>
+          <a:p>
+            <a:pPr lvl="1"/>
+            <a:r>
+              <a:rPr lang="es-ES" smtClean="0"/>
+              <a:t>Segundo nivel</a:t>
+            </a:r>
+          </a:p>
+          <a:p>
+            <a:pPr lvl="2"/>
+            <a:r>
+              <a:rPr lang="es-ES" smtClean="0"/>
+              <a:t>Tercer nivel</a:t>
+            </a:r>
+          </a:p>
+          <a:p>
+            <a:pPr lvl="3"/>
+            <a:r>
+              <a:rPr lang="es-ES" smtClean="0"/>
+              <a:t>Cuarto nivel</a:t>
+            </a:r>
+          </a:p>
+          <a:p>
+            <a:pPr lvl="4"/>
+            <a:r>
+              <a:rPr lang="es-ES" smtClean="0"/>
+              <a:t>Quinto nivel</a:t>
+            </a:r>
+            <a:endParaRPr lang="es-ES"/>
+          </a:p>
+        </p:txBody>
+      </p:sp>
+      <p:sp>
+        <p:nvSpPr>
+          <p:cNvPr id="6" name="Marcador de pie de página 5"/>
+          <p:cNvSpPr>
+            <a:spLocks noGrp="1"/>
+          </p:cNvSpPr>
+          <p:nvPr>
+            <p:ph type="ftr" sz="quarter" idx="4"/>
+          </p:nvPr>
+        </p:nvSpPr>
+        <p:spPr>
+          <a:xfrm>
+            <a:off x="0" y="8685213"/>
+            <a:ext cx="2971800" cy="458787"/>
+          </a:xfrm>
+          <a:prstGeom prst="rect">
+            <a:avLst/>
+          </a:prstGeom>
+        </p:spPr>
+        <p:txBody>
+          <a:bodyPr vert="horz" lIns="91440" tIns="45720" rIns="91440" bIns="45720" rtlCol="0" anchor="b"/>
+          <a:lstStyle>
+            <a:lvl1pPr algn="l">
+              <a:defRPr sz="1200"/>
+            </a:lvl1pPr>
+          </a:lstStyle>
+          <a:p>
+            <a:endParaRPr lang="es-ES"/>
+          </a:p>
+        </p:txBody>
+      </p:sp>
+      <p:sp>
+        <p:nvSpPr>
+          <p:cNvPr id="7" name="Marcador de número de diapositiva 6"/>
+          <p:cNvSpPr>
+            <a:spLocks noGrp="1"/>
+          </p:cNvSpPr>
+          <p:nvPr>
+            <p:ph type="sldNum" sz="quarter" idx="5"/>
+          </p:nvPr>
+        </p:nvSpPr>
+        <p:spPr>
+          <a:xfrm>
+            <a:off x="3884613" y="8685213"/>
+            <a:ext cx="2971800" cy="458787"/>
+          </a:xfrm>
+          <a:prstGeom prst="rect">
+            <a:avLst/>
+          </a:prstGeom>
+        </p:spPr>
+        <p:txBody>
+          <a:bodyPr vert="horz" lIns="91440" tIns="45720" rIns="91440" bIns="45720" rtlCol="0" anchor="b"/>
+          <a:lstStyle>
+            <a:lvl1pPr algn="r">
+              <a:defRPr sz="1200"/>
+            </a:lvl1pPr>
+          </a:lstStyle>
+          <a:p>
+            <a:fld id="{1C420D85-C44C-47C7-9579-8925118E21E7}" type="slidenum">
+              <a:rPr lang="es-ES" smtClean="0"/>
+              <a:t>‹Nº›</a:t>
+            </a:fld>
+            <a:endParaRPr lang="es-ES"/>
+          </a:p>
+        </p:txBody>
+      </p:sp>
+    </p:spTree>
+    <p:extLst>
+      <p:ext uri="{BB962C8B-B14F-4D97-AF65-F5344CB8AC3E}">
+        <p14:creationId xmlns:p14="http://schemas.microsoft.com/office/powerpoint/2010/main" val="2457926642"/>
+      </p:ext>
+    </p:extLst>
+  </p:cSld>
+  <p:clrMap bg1="lt1" tx1="dk1" bg2="lt2" tx2="dk2" accent1="accent1" accent2="accent2" accent3="accent3" accent4="accent4" accent5="accent5" accent6="accent6" hlink="hlink" folHlink="folHlink"/>
+  <p:notesStyle>
+    <a:lvl1pPr marL="0" algn="l" defTabSz="914400" rtl="0" eaLnBrk="1" latinLnBrk="0" hangingPunct="1">
+      <a:defRPr sz="1200" kern="1200">
+        <a:solidFill>
+          <a:schemeClr val="tx1"/>
+        </a:solidFill>
+        <a:latin typeface="+mn-lt"/>
+        <a:ea typeface="+mn-ea"/>
+        <a:cs typeface="+mn-cs"/>
+      </a:defRPr>
+    </a:lvl1pPr>
+    <a:lvl2pPr marL="457200" algn="l" defTabSz="914400" rtl="0" eaLnBrk="1" latinLnBrk="0" hangingPunct="1">
+      <a:defRPr sz="1200" kern="1200">
+        <a:solidFill>
+          <a:schemeClr val="tx1"/>
+        </a:solidFill>
+        <a:latin typeface="+mn-lt"/>
+        <a:ea typeface="+mn-ea"/>
+        <a:cs typeface="+mn-cs"/>
+      </a:defRPr>
+    </a:lvl2pPr>
+    <a:lvl3pPr marL="914400" algn="l" defTabSz="914400" rtl="0" eaLnBrk="1" latinLnBrk="0" hangingPunct="1">
+      <a:defRPr sz="1200" kern="1200">
+        <a:solidFill>
+          <a:schemeClr val="tx1"/>
+        </a:solidFill>
+        <a:latin typeface="+mn-lt"/>
+        <a:ea typeface="+mn-ea"/>
+        <a:cs typeface="+mn-cs"/>
+      </a:defRPr>
+    </a:lvl3pPr>
+    <a:lvl4pPr marL="1371600" algn="l" defTabSz="914400" rtl="0" eaLnBrk="1" latinLnBrk="0" hangingPunct="1">
+      <a:defRPr sz="1200" kern="1200">
+        <a:solidFill>
+          <a:schemeClr val="tx1"/>
+        </a:solidFill>
+        <a:latin typeface="+mn-lt"/>
+        <a:ea typeface="+mn-ea"/>
+        <a:cs typeface="+mn-cs"/>
+      </a:defRPr>
+    </a:lvl4pPr>
+    <a:lvl5pPr marL="1828800" algn="l" defTabSz="914400" rtl="0" eaLnBrk="1" latinLnBrk="0" hangingPunct="1">
+      <a:defRPr sz="1200" kern="1200">
+        <a:solidFill>
+          <a:schemeClr val="tx1"/>
+        </a:solidFill>
+        <a:latin typeface="+mn-lt"/>
+        <a:ea typeface="+mn-ea"/>
+        <a:cs typeface="+mn-cs"/>
+      </a:defRPr>
+    </a:lvl5pPr>
+    <a:lvl6pPr marL="2286000" algn="l" defTabSz="914400" rtl="0" eaLnBrk="1" latinLnBrk="0" hangingPunct="1">
+      <a:defRPr sz="1200" kern="1200">
+        <a:solidFill>
+          <a:schemeClr val="tx1"/>
+        </a:solidFill>
+        <a:latin typeface="+mn-lt"/>
+        <a:ea typeface="+mn-ea"/>
+        <a:cs typeface="+mn-cs"/>
+      </a:defRPr>
+    </a:lvl6pPr>
+    <a:lvl7pPr marL="2743200" algn="l" defTabSz="914400" rtl="0" eaLnBrk="1" latinLnBrk="0" hangingPunct="1">
+      <a:defRPr sz="1200" kern="1200">
+        <a:solidFill>
+          <a:schemeClr val="tx1"/>
+        </a:solidFill>
+        <a:latin typeface="+mn-lt"/>
+        <a:ea typeface="+mn-ea"/>
+        <a:cs typeface="+mn-cs"/>
+      </a:defRPr>
+    </a:lvl7pPr>
+    <a:lvl8pPr marL="3200400" algn="l" defTabSz="914400" rtl="0" eaLnBrk="1" latinLnBrk="0" hangingPunct="1">
+      <a:defRPr sz="1200" kern="1200">
+        <a:solidFill>
+          <a:schemeClr val="tx1"/>
+        </a:solidFill>
+        <a:latin typeface="+mn-lt"/>
+        <a:ea typeface="+mn-ea"/>
+        <a:cs typeface="+mn-cs"/>
+      </a:defRPr>
+    </a:lvl8pPr>
+    <a:lvl9pPr marL="3657600" algn="l" defTabSz="914400" rtl="0" eaLnBrk="1" latinLnBrk="0" hangingPunct="1">
+      <a:defRPr sz="1200" kern="1200">
+        <a:solidFill>
+          <a:schemeClr val="tx1"/>
+        </a:solidFill>
+        <a:latin typeface="+mn-lt"/>
+        <a:ea typeface="+mn-ea"/>
+        <a:cs typeface="+mn-cs"/>
+      </a:defRPr>
+    </a:lvl9pPr>
+  </p:notesStyle>
+</p:notesMaster>
+</file>
+
+<file path=ppt/notesSlides/notesSlide1.xml><?xml version="1.0" encoding="utf-8"?>
+<p:notes xmlns:a="http://schemas.openxmlformats.org/drawingml/2006/main" xmlns:r="http://schemas.openxmlformats.org/officeDocument/2006/relationships" xmlns:p="http://schemas.openxmlformats.org/presentationml/2006/main">
+  <p:cSld>
+    <p:spTree>
+      <p:nvGrpSpPr>
+        <p:cNvPr id="1" name=""/>
+        <p:cNvGrpSpPr/>
+        <p:nvPr/>
+      </p:nvGrpSpPr>
+      <p:grpSpPr>
+        <a:xfrm>
+          <a:off x="0" y="0"/>
+          <a:ext cx="0" cy="0"/>
+          <a:chOff x="0" y="0"/>
+          <a:chExt cx="0" cy="0"/>
+        </a:xfrm>
+      </p:grpSpPr>
+      <p:sp>
+        <p:nvSpPr>
+          <p:cNvPr id="2" name="Marcador de imagen de diapositiva 1"/>
+          <p:cNvSpPr>
+            <a:spLocks noGrp="1" noRot="1" noChangeAspect="1"/>
+          </p:cNvSpPr>
+          <p:nvPr>
+            <p:ph type="sldImg"/>
+          </p:nvPr>
+        </p:nvSpPr>
+        <p:spPr/>
+      </p:sp>
+      <p:sp>
+        <p:nvSpPr>
+          <p:cNvPr id="3" name="Marcador de notas 2"/>
+          <p:cNvSpPr>
+            <a:spLocks noGrp="1"/>
+          </p:cNvSpPr>
+          <p:nvPr>
+            <p:ph type="body" idx="1"/>
+          </p:nvPr>
+        </p:nvSpPr>
+        <p:spPr/>
+        <p:txBody>
+          <a:bodyPr/>
+          <a:lstStyle/>
+          <a:p>
+            <a:endParaRPr lang="es-ES"/>
+          </a:p>
+        </p:txBody>
+      </p:sp>
+      <p:sp>
+        <p:nvSpPr>
+          <p:cNvPr id="4" name="Marcador de número de diapositiva 3"/>
+          <p:cNvSpPr>
+            <a:spLocks noGrp="1"/>
+          </p:cNvSpPr>
+          <p:nvPr>
+            <p:ph type="sldNum" sz="quarter" idx="10"/>
+          </p:nvPr>
+        </p:nvSpPr>
+        <p:spPr/>
+        <p:txBody>
+          <a:bodyPr/>
+          <a:lstStyle/>
+          <a:p>
+            <a:fld id="{6D869AF6-9E8F-4762-B3EF-D8AE73CB9903}" type="slidenum">
+              <a:rPr lang="es-ES" smtClean="0"/>
+              <a:t>36</a:t>
+            </a:fld>
+            <a:endParaRPr lang="es-ES"/>
+          </a:p>
+        </p:txBody>
+      </p:sp>
+    </p:spTree>
+    <p:extLst>
+      <p:ext uri="{BB962C8B-B14F-4D97-AF65-F5344CB8AC3E}">
+        <p14:creationId xmlns:p14="http://schemas.microsoft.com/office/powerpoint/2010/main" val="3547378128"/>
+      </p:ext>
+    </p:extLst>
+  </p:cSld>
+  <p:clrMapOvr>
+    <a:masterClrMapping/>
+  </p:clrMapOvr>
+</p:notes>
 </file>
 
 <file path=ppt/slideLayouts/slideLayout1.xml><?xml version="1.0" encoding="utf-8"?>
@@ -3159,10 +3667,519 @@
   <p:clrMapOvr>
     <a:masterClrMapping/>
   </p:clrMapOvr>
+  <p:timing>
+    <p:tnLst>
+      <p:par>
+        <p:cTn id="1" dur="indefinite" restart="never" nodeType="tmRoot"/>
+      </p:par>
+    </p:tnLst>
+  </p:timing>
 </p:sld>
 </file>
 
 <file path=ppt/slides/slide10.xml><?xml version="1.0" encoding="utf-8"?>
+<p:sld xmlns:a="http://schemas.openxmlformats.org/drawingml/2006/main" xmlns:r="http://schemas.openxmlformats.org/officeDocument/2006/relationships" xmlns:p="http://schemas.openxmlformats.org/presentationml/2006/main">
+  <p:cSld>
+    <p:spTree>
+      <p:nvGrpSpPr>
+        <p:cNvPr id="1" name=""/>
+        <p:cNvGrpSpPr/>
+        <p:nvPr/>
+      </p:nvGrpSpPr>
+      <p:grpSpPr>
+        <a:xfrm>
+          <a:off x="0" y="0"/>
+          <a:ext cx="0" cy="0"/>
+          <a:chOff x="0" y="0"/>
+          <a:chExt cx="0" cy="0"/>
+        </a:xfrm>
+      </p:grpSpPr>
+      <p:pic>
+        <p:nvPicPr>
+          <p:cNvPr id="7" name="Marcador de posición de imagen 6"/>
+          <p:cNvPicPr>
+            <a:picLocks noGrp="1" noChangeAspect="1"/>
+          </p:cNvPicPr>
+          <p:nvPr>
+            <p:ph type="pic" idx="4294967295"/>
+          </p:nvPr>
+        </p:nvPicPr>
+        <p:blipFill rotWithShape="1">
+          <a:blip r:embed="rId2">
+            <a:extLst>
+              <a:ext uri="{28A0092B-C50C-407E-A947-70E740481C1C}">
+                <a14:useLocalDpi xmlns:a14="http://schemas.microsoft.com/office/drawing/2010/main" val="0"/>
+              </a:ext>
+            </a:extLst>
+          </a:blip>
+          <a:srcRect t="14584" b="-172"/>
+          <a:stretch/>
+        </p:blipFill>
+        <p:spPr>
+          <a:xfrm>
+            <a:off x="2233123" y="811316"/>
+            <a:ext cx="4629150" cy="5384800"/>
+          </a:xfrm>
+        </p:spPr>
+      </p:pic>
+    </p:spTree>
+    <p:extLst>
+      <p:ext uri="{BB962C8B-B14F-4D97-AF65-F5344CB8AC3E}">
+        <p14:creationId xmlns:p14="http://schemas.microsoft.com/office/powerpoint/2010/main" val="3189989521"/>
+      </p:ext>
+    </p:extLst>
+  </p:cSld>
+  <p:clrMapOvr>
+    <a:masterClrMapping/>
+  </p:clrMapOvr>
+  <p:timing>
+    <p:tnLst>
+      <p:par>
+        <p:cTn id="1" dur="indefinite" restart="never" nodeType="tmRoot"/>
+      </p:par>
+    </p:tnLst>
+  </p:timing>
+</p:sld>
+</file>
+
+<file path=ppt/slides/slide11.xml><?xml version="1.0" encoding="utf-8"?>
+<p:sld xmlns:a="http://schemas.openxmlformats.org/drawingml/2006/main" xmlns:r="http://schemas.openxmlformats.org/officeDocument/2006/relationships" xmlns:p="http://schemas.openxmlformats.org/presentationml/2006/main">
+  <p:cSld>
+    <p:spTree>
+      <p:nvGrpSpPr>
+        <p:cNvPr id="1" name=""/>
+        <p:cNvGrpSpPr/>
+        <p:nvPr/>
+      </p:nvGrpSpPr>
+      <p:grpSpPr>
+        <a:xfrm>
+          <a:off x="0" y="0"/>
+          <a:ext cx="0" cy="0"/>
+          <a:chOff x="0" y="0"/>
+          <a:chExt cx="0" cy="0"/>
+        </a:xfrm>
+      </p:grpSpPr>
+      <p:sp>
+        <p:nvSpPr>
+          <p:cNvPr id="5" name="Título 4"/>
+          <p:cNvSpPr>
+            <a:spLocks noGrp="1"/>
+          </p:cNvSpPr>
+          <p:nvPr>
+            <p:ph type="title"/>
+          </p:nvPr>
+        </p:nvSpPr>
+        <p:spPr/>
+        <p:txBody>
+          <a:bodyPr/>
+          <a:lstStyle/>
+          <a:p>
+            <a:r>
+              <a:rPr lang="es-ES" dirty="0" smtClean="0"/>
+              <a:t>Solicitar Carnet Universitario</a:t>
+            </a:r>
+            <a:endParaRPr lang="es-ES" dirty="0"/>
+          </a:p>
+        </p:txBody>
+      </p:sp>
+      <p:sp>
+        <p:nvSpPr>
+          <p:cNvPr id="6" name="Marcador de contenido 5"/>
+          <p:cNvSpPr>
+            <a:spLocks noGrp="1"/>
+          </p:cNvSpPr>
+          <p:nvPr>
+            <p:ph idx="1"/>
+          </p:nvPr>
+        </p:nvSpPr>
+        <p:spPr/>
+        <p:txBody>
+          <a:bodyPr/>
+          <a:lstStyle/>
+          <a:p>
+            <a:r>
+              <a:rPr lang="es-ES" dirty="0" smtClean="0">
+                <a:solidFill>
+                  <a:srgbClr val="FF0000"/>
+                </a:solidFill>
+              </a:rPr>
+              <a:t>¿DIAGRAMA DE SECUENCIA DEL CASO DE USO?</a:t>
+            </a:r>
+            <a:endParaRPr lang="es-ES" dirty="0">
+              <a:solidFill>
+                <a:srgbClr val="FF0000"/>
+              </a:solidFill>
+            </a:endParaRPr>
+          </a:p>
+        </p:txBody>
+      </p:sp>
+    </p:spTree>
+    <p:extLst>
+      <p:ext uri="{BB962C8B-B14F-4D97-AF65-F5344CB8AC3E}">
+        <p14:creationId xmlns:p14="http://schemas.microsoft.com/office/powerpoint/2010/main" val="1475588357"/>
+      </p:ext>
+    </p:extLst>
+  </p:cSld>
+  <p:clrMapOvr>
+    <a:masterClrMapping/>
+  </p:clrMapOvr>
+  <p:timing>
+    <p:tnLst>
+      <p:par>
+        <p:cTn id="1" dur="indefinite" restart="never" nodeType="tmRoot"/>
+      </p:par>
+    </p:tnLst>
+  </p:timing>
+</p:sld>
+</file>
+
+<file path=ppt/slides/slide12.xml><?xml version="1.0" encoding="utf-8"?>
+<p:sld xmlns:a="http://schemas.openxmlformats.org/drawingml/2006/main" xmlns:r="http://schemas.openxmlformats.org/officeDocument/2006/relationships" xmlns:p="http://schemas.openxmlformats.org/presentationml/2006/main">
+  <p:cSld>
+    <p:spTree>
+      <p:nvGrpSpPr>
+        <p:cNvPr id="1" name=""/>
+        <p:cNvGrpSpPr/>
+        <p:nvPr/>
+      </p:nvGrpSpPr>
+      <p:grpSpPr>
+        <a:xfrm>
+          <a:off x="0" y="0"/>
+          <a:ext cx="0" cy="0"/>
+          <a:chOff x="0" y="0"/>
+          <a:chExt cx="0" cy="0"/>
+        </a:xfrm>
+      </p:grpSpPr>
+      <p:sp>
+        <p:nvSpPr>
+          <p:cNvPr id="2" name="Título 1"/>
+          <p:cNvSpPr>
+            <a:spLocks noGrp="1"/>
+          </p:cNvSpPr>
+          <p:nvPr>
+            <p:ph type="title"/>
+          </p:nvPr>
+        </p:nvSpPr>
+        <p:spPr/>
+        <p:txBody>
+          <a:bodyPr/>
+          <a:lstStyle/>
+          <a:p>
+            <a:r>
+              <a:rPr lang="es-ES" dirty="0" smtClean="0"/>
+              <a:t>Gestionar solicitudes</a:t>
+            </a:r>
+            <a:endParaRPr lang="es-ES" dirty="0"/>
+          </a:p>
+        </p:txBody>
+      </p:sp>
+      <p:sp>
+        <p:nvSpPr>
+          <p:cNvPr id="3" name="Marcador de contenido 2"/>
+          <p:cNvSpPr>
+            <a:spLocks noGrp="1"/>
+          </p:cNvSpPr>
+          <p:nvPr>
+            <p:ph idx="1"/>
+          </p:nvPr>
+        </p:nvSpPr>
+        <p:spPr/>
+        <p:txBody>
+          <a:bodyPr/>
+          <a:lstStyle/>
+          <a:p>
+            <a:r>
+              <a:rPr lang="es-ES" dirty="0">
+                <a:solidFill>
+                  <a:srgbClr val="FF0000"/>
+                </a:solidFill>
+              </a:rPr>
+              <a:t>¿DIAGRAMA DE SECUENCIA DEL CASO DE USO?</a:t>
+            </a:r>
+          </a:p>
+          <a:p>
+            <a:endParaRPr lang="es-ES" dirty="0"/>
+          </a:p>
+        </p:txBody>
+      </p:sp>
+    </p:spTree>
+    <p:extLst>
+      <p:ext uri="{BB962C8B-B14F-4D97-AF65-F5344CB8AC3E}">
+        <p14:creationId xmlns:p14="http://schemas.microsoft.com/office/powerpoint/2010/main" val="499422598"/>
+      </p:ext>
+    </p:extLst>
+  </p:cSld>
+  <p:clrMapOvr>
+    <a:masterClrMapping/>
+  </p:clrMapOvr>
+  <p:timing>
+    <p:tnLst>
+      <p:par>
+        <p:cTn id="1" dur="indefinite" restart="never" nodeType="tmRoot"/>
+      </p:par>
+    </p:tnLst>
+  </p:timing>
+</p:sld>
+</file>
+
+<file path=ppt/slides/slide13.xml><?xml version="1.0" encoding="utf-8"?>
+<p:sld xmlns:a="http://schemas.openxmlformats.org/drawingml/2006/main" xmlns:r="http://schemas.openxmlformats.org/officeDocument/2006/relationships" xmlns:p="http://schemas.openxmlformats.org/presentationml/2006/main">
+  <p:cSld>
+    <p:spTree>
+      <p:nvGrpSpPr>
+        <p:cNvPr id="1" name=""/>
+        <p:cNvGrpSpPr/>
+        <p:nvPr/>
+      </p:nvGrpSpPr>
+      <p:grpSpPr>
+        <a:xfrm>
+          <a:off x="0" y="0"/>
+          <a:ext cx="0" cy="0"/>
+          <a:chOff x="0" y="0"/>
+          <a:chExt cx="0" cy="0"/>
+        </a:xfrm>
+      </p:grpSpPr>
+      <p:sp>
+        <p:nvSpPr>
+          <p:cNvPr id="2" name="Título 1"/>
+          <p:cNvSpPr>
+            <a:spLocks noGrp="1"/>
+          </p:cNvSpPr>
+          <p:nvPr>
+            <p:ph type="title"/>
+          </p:nvPr>
+        </p:nvSpPr>
+        <p:spPr/>
+        <p:txBody>
+          <a:bodyPr/>
+          <a:lstStyle/>
+          <a:p>
+            <a:r>
+              <a:rPr lang="es-ES" dirty="0" smtClean="0"/>
+              <a:t>Modificar datos propios</a:t>
+            </a:r>
+            <a:endParaRPr lang="es-ES" dirty="0"/>
+          </a:p>
+        </p:txBody>
+      </p:sp>
+      <p:sp>
+        <p:nvSpPr>
+          <p:cNvPr id="3" name="Marcador de contenido 2"/>
+          <p:cNvSpPr>
+            <a:spLocks noGrp="1"/>
+          </p:cNvSpPr>
+          <p:nvPr>
+            <p:ph idx="1"/>
+          </p:nvPr>
+        </p:nvSpPr>
+        <p:spPr/>
+        <p:txBody>
+          <a:bodyPr/>
+          <a:lstStyle/>
+          <a:p>
+            <a:r>
+              <a:rPr lang="es-ES" dirty="0">
+                <a:solidFill>
+                  <a:srgbClr val="FF0000"/>
+                </a:solidFill>
+              </a:rPr>
+              <a:t>¿DIAGRAMA DE SECUENCIA DEL CASO DE USO?</a:t>
+            </a:r>
+          </a:p>
+          <a:p>
+            <a:endParaRPr lang="es-ES" dirty="0"/>
+          </a:p>
+        </p:txBody>
+      </p:sp>
+    </p:spTree>
+    <p:extLst>
+      <p:ext uri="{BB962C8B-B14F-4D97-AF65-F5344CB8AC3E}">
+        <p14:creationId xmlns:p14="http://schemas.microsoft.com/office/powerpoint/2010/main" val="3437982297"/>
+      </p:ext>
+    </p:extLst>
+  </p:cSld>
+  <p:clrMapOvr>
+    <a:masterClrMapping/>
+  </p:clrMapOvr>
+  <p:timing>
+    <p:tnLst>
+      <p:par>
+        <p:cTn id="1" dur="indefinite" restart="never" nodeType="tmRoot"/>
+      </p:par>
+    </p:tnLst>
+  </p:timing>
+</p:sld>
+</file>
+
+<file path=ppt/slides/slide14.xml><?xml version="1.0" encoding="utf-8"?>
+<p:sld xmlns:a="http://schemas.openxmlformats.org/drawingml/2006/main" xmlns:r="http://schemas.openxmlformats.org/officeDocument/2006/relationships" xmlns:p="http://schemas.openxmlformats.org/presentationml/2006/main">
+  <p:cSld>
+    <p:spTree>
+      <p:nvGrpSpPr>
+        <p:cNvPr id="1" name=""/>
+        <p:cNvGrpSpPr/>
+        <p:nvPr/>
+      </p:nvGrpSpPr>
+      <p:grpSpPr>
+        <a:xfrm>
+          <a:off x="0" y="0"/>
+          <a:ext cx="0" cy="0"/>
+          <a:chOff x="0" y="0"/>
+          <a:chExt cx="0" cy="0"/>
+        </a:xfrm>
+      </p:grpSpPr>
+      <p:sp>
+        <p:nvSpPr>
+          <p:cNvPr id="2" name="Título 1"/>
+          <p:cNvSpPr>
+            <a:spLocks noGrp="1"/>
+          </p:cNvSpPr>
+          <p:nvPr>
+            <p:ph type="title"/>
+          </p:nvPr>
+        </p:nvSpPr>
+        <p:spPr/>
+        <p:txBody>
+          <a:bodyPr/>
+          <a:lstStyle/>
+          <a:p>
+            <a:r>
+              <a:rPr lang="es-ES" dirty="0" smtClean="0"/>
+              <a:t>Gestionar usuarios</a:t>
+            </a:r>
+            <a:endParaRPr lang="es-ES" dirty="0"/>
+          </a:p>
+        </p:txBody>
+      </p:sp>
+      <p:sp>
+        <p:nvSpPr>
+          <p:cNvPr id="3" name="Marcador de contenido 2"/>
+          <p:cNvSpPr>
+            <a:spLocks noGrp="1"/>
+          </p:cNvSpPr>
+          <p:nvPr>
+            <p:ph idx="1"/>
+          </p:nvPr>
+        </p:nvSpPr>
+        <p:spPr/>
+        <p:txBody>
+          <a:bodyPr/>
+          <a:lstStyle/>
+          <a:p>
+            <a:r>
+              <a:rPr lang="es-ES" dirty="0">
+                <a:solidFill>
+                  <a:srgbClr val="FF0000"/>
+                </a:solidFill>
+              </a:rPr>
+              <a:t>¿DIAGRAMA DE SECUENCIA DEL CASO DE USO?</a:t>
+            </a:r>
+          </a:p>
+          <a:p>
+            <a:endParaRPr lang="es-ES" dirty="0"/>
+          </a:p>
+        </p:txBody>
+      </p:sp>
+    </p:spTree>
+    <p:extLst>
+      <p:ext uri="{BB962C8B-B14F-4D97-AF65-F5344CB8AC3E}">
+        <p14:creationId xmlns:p14="http://schemas.microsoft.com/office/powerpoint/2010/main" val="1311472560"/>
+      </p:ext>
+    </p:extLst>
+  </p:cSld>
+  <p:clrMapOvr>
+    <a:masterClrMapping/>
+  </p:clrMapOvr>
+  <p:timing>
+    <p:tnLst>
+      <p:par>
+        <p:cTn id="1" dur="indefinite" restart="never" nodeType="tmRoot"/>
+      </p:par>
+    </p:tnLst>
+  </p:timing>
+</p:sld>
+</file>
+
+<file path=ppt/slides/slide15.xml><?xml version="1.0" encoding="utf-8"?>
+<p:sld xmlns:a="http://schemas.openxmlformats.org/drawingml/2006/main" xmlns:r="http://schemas.openxmlformats.org/officeDocument/2006/relationships" xmlns:p="http://schemas.openxmlformats.org/presentationml/2006/main">
+  <p:cSld>
+    <p:spTree>
+      <p:nvGrpSpPr>
+        <p:cNvPr id="1" name=""/>
+        <p:cNvGrpSpPr/>
+        <p:nvPr/>
+      </p:nvGrpSpPr>
+      <p:grpSpPr>
+        <a:xfrm>
+          <a:off x="0" y="0"/>
+          <a:ext cx="0" cy="0"/>
+          <a:chOff x="0" y="0"/>
+          <a:chExt cx="0" cy="0"/>
+        </a:xfrm>
+      </p:grpSpPr>
+      <p:sp>
+        <p:nvSpPr>
+          <p:cNvPr id="2" name="Título 1"/>
+          <p:cNvSpPr>
+            <a:spLocks noGrp="1"/>
+          </p:cNvSpPr>
+          <p:nvPr>
+            <p:ph type="title"/>
+          </p:nvPr>
+        </p:nvSpPr>
+        <p:spPr/>
+        <p:txBody>
+          <a:bodyPr/>
+          <a:lstStyle/>
+          <a:p>
+            <a:r>
+              <a:rPr lang="es-ES" dirty="0" smtClean="0"/>
+              <a:t>Tecnologías utilizadas</a:t>
+            </a:r>
+            <a:endParaRPr lang="es-ES" dirty="0"/>
+          </a:p>
+        </p:txBody>
+      </p:sp>
+      <p:sp>
+        <p:nvSpPr>
+          <p:cNvPr id="5" name="Marcador de texto 4"/>
+          <p:cNvSpPr>
+            <a:spLocks noGrp="1"/>
+          </p:cNvSpPr>
+          <p:nvPr>
+            <p:ph type="body" idx="1"/>
+          </p:nvPr>
+        </p:nvSpPr>
+        <p:spPr/>
+        <p:txBody>
+          <a:bodyPr/>
+          <a:lstStyle/>
+          <a:p>
+            <a:endParaRPr lang="es-ES"/>
+          </a:p>
+        </p:txBody>
+      </p:sp>
+    </p:spTree>
+    <p:extLst>
+      <p:ext uri="{BB962C8B-B14F-4D97-AF65-F5344CB8AC3E}">
+        <p14:creationId xmlns:p14="http://schemas.microsoft.com/office/powerpoint/2010/main" val="1955749727"/>
+      </p:ext>
+    </p:extLst>
+  </p:cSld>
+  <p:clrMapOvr>
+    <a:masterClrMapping/>
+  </p:clrMapOvr>
+  <p:timing>
+    <p:tnLst>
+      <p:par>
+        <p:cTn id="1" dur="indefinite" restart="never" nodeType="tmRoot"/>
+      </p:par>
+    </p:tnLst>
+  </p:timing>
+</p:sld>
+</file>
+
+<file path=ppt/slides/slide16.xml><?xml version="1.0" encoding="utf-8"?>
 <p:sld xmlns:a="http://schemas.openxmlformats.org/drawingml/2006/main" xmlns:r="http://schemas.openxmlformats.org/officeDocument/2006/relationships" xmlns:p="http://schemas.openxmlformats.org/presentationml/2006/main">
   <p:cSld>
     <p:spTree>
@@ -3312,10 +4329,17 @@
   <p:clrMapOvr>
     <a:masterClrMapping/>
   </p:clrMapOvr>
+  <p:timing>
+    <p:tnLst>
+      <p:par>
+        <p:cTn id="1" dur="indefinite" restart="never" nodeType="tmRoot"/>
+      </p:par>
+    </p:tnLst>
+  </p:timing>
 </p:sld>
 </file>
 
-<file path=ppt/slides/slide11.xml><?xml version="1.0" encoding="utf-8"?>
+<file path=ppt/slides/slide17.xml><?xml version="1.0" encoding="utf-8"?>
 <p:sld xmlns:a="http://schemas.openxmlformats.org/drawingml/2006/main" xmlns:r="http://schemas.openxmlformats.org/officeDocument/2006/relationships" xmlns:p="http://schemas.openxmlformats.org/presentationml/2006/main">
   <p:cSld>
     <p:spTree>
@@ -3384,10 +4408,17 @@
   <p:clrMapOvr>
     <a:masterClrMapping/>
   </p:clrMapOvr>
+  <p:timing>
+    <p:tnLst>
+      <p:par>
+        <p:cTn id="1" dur="indefinite" restart="never" nodeType="tmRoot"/>
+      </p:par>
+    </p:tnLst>
+  </p:timing>
 </p:sld>
 </file>
 
-<file path=ppt/slides/slide12.xml><?xml version="1.0" encoding="utf-8"?>
+<file path=ppt/slides/slide18.xml><?xml version="1.0" encoding="utf-8"?>
 <p:sld xmlns:a="http://schemas.openxmlformats.org/drawingml/2006/main" xmlns:r="http://schemas.openxmlformats.org/officeDocument/2006/relationships" xmlns:p="http://schemas.openxmlformats.org/presentationml/2006/main">
   <p:cSld>
     <p:spTree>
@@ -3453,10 +4484,17 @@
   <p:clrMapOvr>
     <a:masterClrMapping/>
   </p:clrMapOvr>
+  <p:timing>
+    <p:tnLst>
+      <p:par>
+        <p:cTn id="1" dur="indefinite" restart="never" nodeType="tmRoot"/>
+      </p:par>
+    </p:tnLst>
+  </p:timing>
 </p:sld>
 </file>
 
-<file path=ppt/slides/slide13.xml><?xml version="1.0" encoding="utf-8"?>
+<file path=ppt/slides/slide19.xml><?xml version="1.0" encoding="utf-8"?>
 <p:sld xmlns:a="http://schemas.openxmlformats.org/drawingml/2006/main" xmlns:r="http://schemas.openxmlformats.org/officeDocument/2006/relationships" xmlns:p="http://schemas.openxmlformats.org/presentationml/2006/main">
   <p:cSld>
     <p:spTree>
@@ -3525,10 +4563,96 @@
   <p:clrMapOvr>
     <a:masterClrMapping/>
   </p:clrMapOvr>
+  <p:timing>
+    <p:tnLst>
+      <p:par>
+        <p:cTn id="1" dur="indefinite" restart="never" nodeType="tmRoot"/>
+      </p:par>
+    </p:tnLst>
+  </p:timing>
 </p:sld>
 </file>
 
-<file path=ppt/slides/slide14.xml><?xml version="1.0" encoding="utf-8"?>
+<file path=ppt/slides/slide2.xml><?xml version="1.0" encoding="utf-8"?>
+<p:sld xmlns:a="http://schemas.openxmlformats.org/drawingml/2006/main" xmlns:r="http://schemas.openxmlformats.org/officeDocument/2006/relationships" xmlns:p="http://schemas.openxmlformats.org/presentationml/2006/main">
+  <p:cSld>
+    <p:spTree>
+      <p:nvGrpSpPr>
+        <p:cNvPr id="1" name=""/>
+        <p:cNvGrpSpPr/>
+        <p:nvPr/>
+      </p:nvGrpSpPr>
+      <p:grpSpPr>
+        <a:xfrm>
+          <a:off x="0" y="0"/>
+          <a:ext cx="0" cy="0"/>
+          <a:chOff x="0" y="0"/>
+          <a:chExt cx="0" cy="0"/>
+        </a:xfrm>
+      </p:grpSpPr>
+      <p:sp>
+        <p:nvSpPr>
+          <p:cNvPr id="2" name="Título 1"/>
+          <p:cNvSpPr>
+            <a:spLocks noGrp="1"/>
+          </p:cNvSpPr>
+          <p:nvPr>
+            <p:ph type="title"/>
+          </p:nvPr>
+        </p:nvSpPr>
+        <p:spPr/>
+        <p:txBody>
+          <a:bodyPr/>
+          <a:lstStyle/>
+          <a:p>
+            <a:r>
+              <a:rPr lang="es-ES" dirty="0" smtClean="0"/>
+              <a:t>Introducción al caso de estudio</a:t>
+            </a:r>
+            <a:endParaRPr lang="es-ES" dirty="0"/>
+          </a:p>
+        </p:txBody>
+      </p:sp>
+      <p:sp>
+        <p:nvSpPr>
+          <p:cNvPr id="5" name="Marcador de texto 4"/>
+          <p:cNvSpPr>
+            <a:spLocks noGrp="1"/>
+          </p:cNvSpPr>
+          <p:nvPr>
+            <p:ph type="body" idx="1"/>
+          </p:nvPr>
+        </p:nvSpPr>
+        <p:spPr/>
+        <p:txBody>
+          <a:bodyPr/>
+          <a:lstStyle/>
+          <a:p>
+            <a:endParaRPr lang="es-ES" dirty="0"/>
+          </a:p>
+        </p:txBody>
+      </p:sp>
+    </p:spTree>
+    <p:extLst>
+      <p:ext uri="{BB962C8B-B14F-4D97-AF65-F5344CB8AC3E}">
+        <p14:creationId xmlns:p14="http://schemas.microsoft.com/office/powerpoint/2010/main" val="3334426451"/>
+      </p:ext>
+    </p:extLst>
+  </p:cSld>
+  <p:clrMapOvr>
+    <a:masterClrMapping/>
+  </p:clrMapOvr>
+  <p:timing>
+    <p:tnLst>
+      <p:par>
+        <p:cTn id="1" dur="indefinite" restart="never" nodeType="tmRoot"/>
+      </p:par>
+    </p:tnLst>
+  </p:timing>
+</p:sld>
+</file>
+
+<file path=ppt/slides/slide20.xml><?xml version="1.0" encoding="utf-8"?>
 <p:sld xmlns:a="http://schemas.openxmlformats.org/drawingml/2006/main" xmlns:r="http://schemas.openxmlformats.org/officeDocument/2006/relationships" xmlns:p="http://schemas.openxmlformats.org/presentationml/2006/main">
   <p:cSld>
     <p:spTree>
@@ -3596,10 +4720,17 @@
   <p:clrMapOvr>
     <a:masterClrMapping/>
   </p:clrMapOvr>
+  <p:timing>
+    <p:tnLst>
+      <p:par>
+        <p:cTn id="1" dur="indefinite" restart="never" nodeType="tmRoot"/>
+      </p:par>
+    </p:tnLst>
+  </p:timing>
 </p:sld>
 </file>
 
-<file path=ppt/slides/slide15.xml><?xml version="1.0" encoding="utf-8"?>
+<file path=ppt/slides/slide21.xml><?xml version="1.0" encoding="utf-8"?>
 <p:sld xmlns:a="http://schemas.openxmlformats.org/drawingml/2006/main" xmlns:r="http://schemas.openxmlformats.org/officeDocument/2006/relationships" xmlns:p="http://schemas.openxmlformats.org/presentationml/2006/main">
   <p:cSld>
     <p:spTree>
@@ -3668,10 +4799,17 @@
   <p:clrMapOvr>
     <a:masterClrMapping/>
   </p:clrMapOvr>
+  <p:timing>
+    <p:tnLst>
+      <p:par>
+        <p:cTn id="1" dur="indefinite" restart="never" nodeType="tmRoot"/>
+      </p:par>
+    </p:tnLst>
+  </p:timing>
 </p:sld>
 </file>
 
-<file path=ppt/slides/slide16.xml><?xml version="1.0" encoding="utf-8"?>
+<file path=ppt/slides/slide22.xml><?xml version="1.0" encoding="utf-8"?>
 <p:sld xmlns:a="http://schemas.openxmlformats.org/drawingml/2006/main" xmlns:r="http://schemas.openxmlformats.org/officeDocument/2006/relationships" xmlns:p="http://schemas.openxmlformats.org/presentationml/2006/main">
   <p:cSld>
     <p:spTree>
@@ -3739,10 +4877,17 @@
   <p:clrMapOvr>
     <a:masterClrMapping/>
   </p:clrMapOvr>
+  <p:timing>
+    <p:tnLst>
+      <p:par>
+        <p:cTn id="1" dur="indefinite" restart="never" nodeType="tmRoot"/>
+      </p:par>
+    </p:tnLst>
+  </p:timing>
 </p:sld>
 </file>
 
-<file path=ppt/slides/slide17.xml><?xml version="1.0" encoding="utf-8"?>
+<file path=ppt/slides/slide23.xml><?xml version="1.0" encoding="utf-8"?>
 <p:sld xmlns:a="http://schemas.openxmlformats.org/drawingml/2006/main" xmlns:r="http://schemas.openxmlformats.org/officeDocument/2006/relationships" xmlns:p="http://schemas.openxmlformats.org/presentationml/2006/main">
   <p:cSld>
     <p:spTree>
@@ -3821,7 +4966,7 @@
 </p:sld>
 </file>
 
-<file path=ppt/slides/slide18.xml><?xml version="1.0" encoding="utf-8"?>
+<file path=ppt/slides/slide24.xml><?xml version="1.0" encoding="utf-8"?>
 <p:sld xmlns:a="http://schemas.openxmlformats.org/drawingml/2006/main" xmlns:r="http://schemas.openxmlformats.org/officeDocument/2006/relationships" xmlns:p="http://schemas.openxmlformats.org/presentationml/2006/main">
   <p:cSld>
     <p:spTree>
@@ -3910,10 +5055,17 @@
   <p:clrMapOvr>
     <a:masterClrMapping/>
   </p:clrMapOvr>
+  <p:timing>
+    <p:tnLst>
+      <p:par>
+        <p:cTn id="1" dur="indefinite" restart="never" nodeType="tmRoot"/>
+      </p:par>
+    </p:tnLst>
+  </p:timing>
 </p:sld>
 </file>
 
-<file path=ppt/slides/slide19.xml><?xml version="1.0" encoding="utf-8"?>
+<file path=ppt/slides/slide25.xml><?xml version="1.0" encoding="utf-8"?>
 <p:sld xmlns:a="http://schemas.openxmlformats.org/drawingml/2006/main" xmlns:r="http://schemas.openxmlformats.org/officeDocument/2006/relationships" xmlns:p="http://schemas.openxmlformats.org/presentationml/2006/main">
   <p:cSld>
     <p:spTree>
@@ -3991,79 +5143,7 @@
 </p:sld>
 </file>
 
-<file path=ppt/slides/slide2.xml><?xml version="1.0" encoding="utf-8"?>
-<p:sld xmlns:a="http://schemas.openxmlformats.org/drawingml/2006/main" xmlns:r="http://schemas.openxmlformats.org/officeDocument/2006/relationships" xmlns:p="http://schemas.openxmlformats.org/presentationml/2006/main">
-  <p:cSld>
-    <p:spTree>
-      <p:nvGrpSpPr>
-        <p:cNvPr id="1" name=""/>
-        <p:cNvGrpSpPr/>
-        <p:nvPr/>
-      </p:nvGrpSpPr>
-      <p:grpSpPr>
-        <a:xfrm>
-          <a:off x="0" y="0"/>
-          <a:ext cx="0" cy="0"/>
-          <a:chOff x="0" y="0"/>
-          <a:chExt cx="0" cy="0"/>
-        </a:xfrm>
-      </p:grpSpPr>
-      <p:sp>
-        <p:nvSpPr>
-          <p:cNvPr id="2" name="Título 1"/>
-          <p:cNvSpPr>
-            <a:spLocks noGrp="1"/>
-          </p:cNvSpPr>
-          <p:nvPr>
-            <p:ph type="title"/>
-          </p:nvPr>
-        </p:nvSpPr>
-        <p:spPr/>
-        <p:txBody>
-          <a:bodyPr/>
-          <a:lstStyle/>
-          <a:p>
-            <a:r>
-              <a:rPr lang="es-ES" dirty="0" smtClean="0"/>
-              <a:t>Introducción al caso de estudio</a:t>
-            </a:r>
-            <a:endParaRPr lang="es-ES" dirty="0"/>
-          </a:p>
-        </p:txBody>
-      </p:sp>
-      <p:sp>
-        <p:nvSpPr>
-          <p:cNvPr id="5" name="Marcador de texto 4"/>
-          <p:cNvSpPr>
-            <a:spLocks noGrp="1"/>
-          </p:cNvSpPr>
-          <p:nvPr>
-            <p:ph type="body" idx="1"/>
-          </p:nvPr>
-        </p:nvSpPr>
-        <p:spPr/>
-        <p:txBody>
-          <a:bodyPr/>
-          <a:lstStyle/>
-          <a:p>
-            <a:endParaRPr lang="es-ES" dirty="0"/>
-          </a:p>
-        </p:txBody>
-      </p:sp>
-    </p:spTree>
-    <p:extLst>
-      <p:ext uri="{BB962C8B-B14F-4D97-AF65-F5344CB8AC3E}">
-        <p14:creationId xmlns:p14="http://schemas.microsoft.com/office/powerpoint/2010/main" val="3334426451"/>
-      </p:ext>
-    </p:extLst>
-  </p:cSld>
-  <p:clrMapOvr>
-    <a:masterClrMapping/>
-  </p:clrMapOvr>
-</p:sld>
-</file>
-
-<file path=ppt/slides/slide20.xml><?xml version="1.0" encoding="utf-8"?>
+<file path=ppt/slides/slide26.xml><?xml version="1.0" encoding="utf-8"?>
 <p:sld xmlns:a="http://schemas.openxmlformats.org/drawingml/2006/main" xmlns:r="http://schemas.openxmlformats.org/officeDocument/2006/relationships" xmlns:p="http://schemas.openxmlformats.org/presentationml/2006/main">
   <p:cSld>
     <p:spTree>
@@ -4142,7 +5222,7 @@
 </p:sld>
 </file>
 
-<file path=ppt/slides/slide21.xml><?xml version="1.0" encoding="utf-8"?>
+<file path=ppt/slides/slide27.xml><?xml version="1.0" encoding="utf-8"?>
 <p:sld xmlns:a="http://schemas.openxmlformats.org/drawingml/2006/main" xmlns:r="http://schemas.openxmlformats.org/officeDocument/2006/relationships" xmlns:p="http://schemas.openxmlformats.org/presentationml/2006/main">
   <p:cSld>
     <p:spTree>
@@ -4233,10 +5313,17 @@
   <p:clrMapOvr>
     <a:masterClrMapping/>
   </p:clrMapOvr>
+  <p:timing>
+    <p:tnLst>
+      <p:par>
+        <p:cTn id="1" dur="indefinite" restart="never" nodeType="tmRoot"/>
+      </p:par>
+    </p:tnLst>
+  </p:timing>
 </p:sld>
 </file>
 
-<file path=ppt/slides/slide22.xml><?xml version="1.0" encoding="utf-8"?>
+<file path=ppt/slides/slide28.xml><?xml version="1.0" encoding="utf-8"?>
 <p:sld xmlns:a="http://schemas.openxmlformats.org/drawingml/2006/main" xmlns:r="http://schemas.openxmlformats.org/officeDocument/2006/relationships" xmlns:p="http://schemas.openxmlformats.org/presentationml/2006/main">
   <p:cSld>
     <p:spTree>
@@ -4305,10 +5392,17 @@
   <p:clrMapOvr>
     <a:masterClrMapping/>
   </p:clrMapOvr>
+  <p:timing>
+    <p:tnLst>
+      <p:par>
+        <p:cTn id="1" dur="indefinite" restart="never" nodeType="tmRoot"/>
+      </p:par>
+    </p:tnLst>
+  </p:timing>
 </p:sld>
 </file>
 
-<file path=ppt/slides/slide23.xml><?xml version="1.0" encoding="utf-8"?>
+<file path=ppt/slides/slide29.xml><?xml version="1.0" encoding="utf-8"?>
 <p:sld xmlns:a="http://schemas.openxmlformats.org/drawingml/2006/main" xmlns:r="http://schemas.openxmlformats.org/officeDocument/2006/relationships" xmlns:p="http://schemas.openxmlformats.org/presentationml/2006/main">
   <p:cSld>
     <p:spTree>
@@ -4377,10 +5471,17 @@
   <p:clrMapOvr>
     <a:masterClrMapping/>
   </p:clrMapOvr>
+  <p:timing>
+    <p:tnLst>
+      <p:par>
+        <p:cTn id="1" dur="indefinite" restart="never" nodeType="tmRoot"/>
+      </p:par>
+    </p:tnLst>
+  </p:timing>
 </p:sld>
 </file>
 
-<file path=ppt/slides/slide24.xml><?xml version="1.0" encoding="utf-8"?>
+<file path=ppt/slides/slide3.xml><?xml version="1.0" encoding="utf-8"?>
 <p:sld xmlns:a="http://schemas.openxmlformats.org/drawingml/2006/main" xmlns:r="http://schemas.openxmlformats.org/officeDocument/2006/relationships" xmlns:p="http://schemas.openxmlformats.org/presentationml/2006/main">
   <p:cSld>
     <p:spTree>
@@ -4399,7 +5500,7 @@
       </p:grpSpPr>
       <p:sp>
         <p:nvSpPr>
-          <p:cNvPr id="2" name="Título 1"/>
+          <p:cNvPr id="5" name="Título 4"/>
           <p:cNvSpPr>
             <a:spLocks noGrp="1"/>
           </p:cNvSpPr>
@@ -4413,8 +5514,8 @@
           <a:lstStyle/>
           <a:p>
             <a:r>
-              <a:rPr lang="es-ES" dirty="0" err="1" smtClean="0"/>
-              <a:t>ServletSolicitud</a:t>
+              <a:rPr lang="es-ES" dirty="0" smtClean="0"/>
+              <a:t>Encuadre del caso de uso</a:t>
             </a:r>
             <a:endParaRPr lang="es-ES" dirty="0"/>
           </a:p>
@@ -4422,7 +5523,7 @@
       </p:sp>
       <p:sp>
         <p:nvSpPr>
-          <p:cNvPr id="3" name="Marcador de contenido 2"/>
+          <p:cNvPr id="6" name="Marcador de contenido 5"/>
           <p:cNvSpPr>
             <a:spLocks noGrp="1"/>
           </p:cNvSpPr>
@@ -4432,27 +5533,126 @@
         </p:nvSpPr>
         <p:spPr/>
         <p:txBody>
-          <a:bodyPr/>
-          <a:lstStyle/>
-          <a:p>
-            <a:endParaRPr lang="es-ES"/>
+          <a:bodyPr>
+            <a:normAutofit fontScale="92500" lnSpcReduction="20000"/>
+          </a:bodyPr>
+          <a:lstStyle/>
+          <a:p>
+            <a:r>
+              <a:rPr lang="es-ES" sz="4400" dirty="0">
+                <a:latin typeface="+mj-lt"/>
+                <a:ea typeface="+mj-ea"/>
+                <a:cs typeface="+mj-cs"/>
+              </a:rPr>
+              <a:t>¿Quién lo quiere</a:t>
+            </a:r>
+            <a:r>
+              <a:rPr lang="es-ES" sz="4400" dirty="0" smtClean="0">
+                <a:latin typeface="+mj-lt"/>
+                <a:ea typeface="+mj-ea"/>
+                <a:cs typeface="+mj-cs"/>
+              </a:rPr>
+              <a:t>?</a:t>
+            </a:r>
+          </a:p>
+          <a:p>
+            <a:endParaRPr lang="es-ES" sz="4400" dirty="0">
+              <a:latin typeface="+mj-lt"/>
+              <a:ea typeface="+mj-ea"/>
+              <a:cs typeface="+mj-cs"/>
+            </a:endParaRPr>
+          </a:p>
+          <a:p>
+            <a:r>
+              <a:rPr lang="es-ES" sz="4400" dirty="0">
+                <a:latin typeface="+mj-lt"/>
+                <a:ea typeface="+mj-ea"/>
+                <a:cs typeface="+mj-cs"/>
+              </a:rPr>
+              <a:t>¿Qué quiere</a:t>
+            </a:r>
+            <a:r>
+              <a:rPr lang="es-ES" sz="4400" dirty="0" smtClean="0">
+                <a:latin typeface="+mj-lt"/>
+                <a:ea typeface="+mj-ea"/>
+                <a:cs typeface="+mj-cs"/>
+              </a:rPr>
+              <a:t>?</a:t>
+            </a:r>
+          </a:p>
+          <a:p>
+            <a:endParaRPr lang="es-ES" sz="4400" dirty="0">
+              <a:latin typeface="+mj-lt"/>
+              <a:ea typeface="+mj-ea"/>
+              <a:cs typeface="+mj-cs"/>
+            </a:endParaRPr>
+          </a:p>
+          <a:p>
+            <a:r>
+              <a:rPr lang="es-ES" sz="4400" dirty="0" smtClean="0">
+                <a:latin typeface="+mj-lt"/>
+                <a:ea typeface="+mj-ea"/>
+                <a:cs typeface="+mj-cs"/>
+              </a:rPr>
+              <a:t>¿Qué uso le van a dar?</a:t>
+            </a:r>
+          </a:p>
+          <a:p>
+            <a:endParaRPr lang="es-ES" sz="4400" dirty="0">
+              <a:latin typeface="+mj-lt"/>
+              <a:ea typeface="+mj-ea"/>
+              <a:cs typeface="+mj-cs"/>
+            </a:endParaRPr>
+          </a:p>
+          <a:p>
+            <a:r>
+              <a:rPr lang="es-ES" sz="4400" dirty="0">
+                <a:latin typeface="+mj-lt"/>
+                <a:ea typeface="+mj-ea"/>
+                <a:cs typeface="+mj-cs"/>
+              </a:rPr>
+              <a:t>¿Requisitos </a:t>
+            </a:r>
+            <a:r>
+              <a:rPr lang="es-ES" sz="4400" dirty="0" err="1">
+                <a:latin typeface="+mj-lt"/>
+                <a:ea typeface="+mj-ea"/>
+                <a:cs typeface="+mj-cs"/>
+              </a:rPr>
+              <a:t>minimos</a:t>
+            </a:r>
+            <a:r>
+              <a:rPr lang="es-ES" sz="4400" dirty="0">
+                <a:latin typeface="+mj-lt"/>
+                <a:ea typeface="+mj-ea"/>
+                <a:cs typeface="+mj-cs"/>
+              </a:rPr>
+              <a:t>?</a:t>
+            </a:r>
           </a:p>
         </p:txBody>
       </p:sp>
     </p:spTree>
     <p:extLst>
       <p:ext uri="{BB962C8B-B14F-4D97-AF65-F5344CB8AC3E}">
-        <p14:creationId xmlns:p14="http://schemas.microsoft.com/office/powerpoint/2010/main" val="4049016832"/>
+        <p14:creationId xmlns:p14="http://schemas.microsoft.com/office/powerpoint/2010/main" val="1940365770"/>
       </p:ext>
     </p:extLst>
   </p:cSld>
   <p:clrMapOvr>
     <a:masterClrMapping/>
   </p:clrMapOvr>
+  <p:timing>
+    <p:tnLst>
+      <p:par>
+        <p:cTn id="1" dur="indefinite" restart="never" nodeType="tmRoot"/>
+      </p:par>
+    </p:tnLst>
+  </p:timing>
 </p:sld>
 </file>
 
-<file path=ppt/slides/slide25.xml><?xml version="1.0" encoding="utf-8"?>
+<file path=ppt/slides/slide30.xml><?xml version="1.0" encoding="utf-8"?>
 <p:sld xmlns:a="http://schemas.openxmlformats.org/drawingml/2006/main" xmlns:r="http://schemas.openxmlformats.org/officeDocument/2006/relationships" xmlns:p="http://schemas.openxmlformats.org/presentationml/2006/main">
   <p:cSld>
     <p:spTree>
@@ -4486,7 +5686,7 @@
           <a:p>
             <a:r>
               <a:rPr lang="es-ES" dirty="0" err="1" smtClean="0"/>
-              <a:t>ServletUsuario</a:t>
+              <a:t>ServletSolicitud</a:t>
             </a:r>
             <a:endParaRPr lang="es-ES" dirty="0"/>
           </a:p>
@@ -4514,17 +5714,24 @@
     </p:spTree>
     <p:extLst>
       <p:ext uri="{BB962C8B-B14F-4D97-AF65-F5344CB8AC3E}">
-        <p14:creationId xmlns:p14="http://schemas.microsoft.com/office/powerpoint/2010/main" val="2294492780"/>
+        <p14:creationId xmlns:p14="http://schemas.microsoft.com/office/powerpoint/2010/main" val="4049016832"/>
       </p:ext>
     </p:extLst>
   </p:cSld>
   <p:clrMapOvr>
     <a:masterClrMapping/>
   </p:clrMapOvr>
+  <p:timing>
+    <p:tnLst>
+      <p:par>
+        <p:cTn id="1" dur="indefinite" restart="never" nodeType="tmRoot"/>
+      </p:par>
+    </p:tnLst>
+  </p:timing>
 </p:sld>
 </file>
 
-<file path=ppt/slides/slide26.xml><?xml version="1.0" encoding="utf-8"?>
+<file path=ppt/slides/slide31.xml><?xml version="1.0" encoding="utf-8"?>
 <p:sld xmlns:a="http://schemas.openxmlformats.org/drawingml/2006/main" xmlns:r="http://schemas.openxmlformats.org/officeDocument/2006/relationships" xmlns:p="http://schemas.openxmlformats.org/presentationml/2006/main">
   <p:cSld>
     <p:spTree>
@@ -4557,6 +5764,85 @@
           <a:lstStyle/>
           <a:p>
             <a:r>
+              <a:rPr lang="es-ES" dirty="0" err="1" smtClean="0"/>
+              <a:t>ServletUsuario</a:t>
+            </a:r>
+            <a:endParaRPr lang="es-ES" dirty="0"/>
+          </a:p>
+        </p:txBody>
+      </p:sp>
+      <p:sp>
+        <p:nvSpPr>
+          <p:cNvPr id="3" name="Marcador de contenido 2"/>
+          <p:cNvSpPr>
+            <a:spLocks noGrp="1"/>
+          </p:cNvSpPr>
+          <p:nvPr>
+            <p:ph idx="1"/>
+          </p:nvPr>
+        </p:nvSpPr>
+        <p:spPr/>
+        <p:txBody>
+          <a:bodyPr/>
+          <a:lstStyle/>
+          <a:p>
+            <a:endParaRPr lang="es-ES"/>
+          </a:p>
+        </p:txBody>
+      </p:sp>
+    </p:spTree>
+    <p:extLst>
+      <p:ext uri="{BB962C8B-B14F-4D97-AF65-F5344CB8AC3E}">
+        <p14:creationId xmlns:p14="http://schemas.microsoft.com/office/powerpoint/2010/main" val="2294492780"/>
+      </p:ext>
+    </p:extLst>
+  </p:cSld>
+  <p:clrMapOvr>
+    <a:masterClrMapping/>
+  </p:clrMapOvr>
+  <p:timing>
+    <p:tnLst>
+      <p:par>
+        <p:cTn id="1" dur="indefinite" restart="never" nodeType="tmRoot"/>
+      </p:par>
+    </p:tnLst>
+  </p:timing>
+</p:sld>
+</file>
+
+<file path=ppt/slides/slide32.xml><?xml version="1.0" encoding="utf-8"?>
+<p:sld xmlns:a="http://schemas.openxmlformats.org/drawingml/2006/main" xmlns:r="http://schemas.openxmlformats.org/officeDocument/2006/relationships" xmlns:p="http://schemas.openxmlformats.org/presentationml/2006/main">
+  <p:cSld>
+    <p:spTree>
+      <p:nvGrpSpPr>
+        <p:cNvPr id="1" name=""/>
+        <p:cNvGrpSpPr/>
+        <p:nvPr/>
+      </p:nvGrpSpPr>
+      <p:grpSpPr>
+        <a:xfrm>
+          <a:off x="0" y="0"/>
+          <a:ext cx="0" cy="0"/>
+          <a:chOff x="0" y="0"/>
+          <a:chExt cx="0" cy="0"/>
+        </a:xfrm>
+      </p:grpSpPr>
+      <p:sp>
+        <p:nvSpPr>
+          <p:cNvPr id="2" name="Título 1"/>
+          <p:cNvSpPr>
+            <a:spLocks noGrp="1"/>
+          </p:cNvSpPr>
+          <p:nvPr>
+            <p:ph type="title"/>
+          </p:nvPr>
+        </p:nvSpPr>
+        <p:spPr/>
+        <p:txBody>
+          <a:bodyPr/>
+          <a:lstStyle/>
+          <a:p>
+            <a:r>
               <a:rPr lang="es-ES" dirty="0" smtClean="0">
                 <a:solidFill>
                   <a:srgbClr val="FF0000"/>
@@ -4601,10 +5887,17 @@
   <p:clrMapOvr>
     <a:masterClrMapping/>
   </p:clrMapOvr>
+  <p:timing>
+    <p:tnLst>
+      <p:par>
+        <p:cTn id="1" dur="indefinite" restart="never" nodeType="tmRoot"/>
+      </p:par>
+    </p:tnLst>
+  </p:timing>
 </p:sld>
 </file>
 
-<file path=ppt/slides/slide27.xml><?xml version="1.0" encoding="utf-8"?>
+<file path=ppt/slides/slide33.xml><?xml version="1.0" encoding="utf-8"?>
 <p:sld xmlns:a="http://schemas.openxmlformats.org/drawingml/2006/main" xmlns:r="http://schemas.openxmlformats.org/officeDocument/2006/relationships" xmlns:p="http://schemas.openxmlformats.org/presentationml/2006/main">
   <p:cSld>
     <p:spTree>
@@ -4631,10 +5924,17 @@
   <p:clrMapOvr>
     <a:masterClrMapping/>
   </p:clrMapOvr>
+  <p:timing>
+    <p:tnLst>
+      <p:par>
+        <p:cTn id="1" dur="indefinite" restart="never" nodeType="tmRoot"/>
+      </p:par>
+    </p:tnLst>
+  </p:timing>
 </p:sld>
 </file>
 
-<file path=ppt/slides/slide3.xml><?xml version="1.0" encoding="utf-8"?>
+<file path=ppt/slides/slide34.xml><?xml version="1.0" encoding="utf-8"?>
 <p:sld xmlns:a="http://schemas.openxmlformats.org/drawingml/2006/main" xmlns:r="http://schemas.openxmlformats.org/officeDocument/2006/relationships" xmlns:p="http://schemas.openxmlformats.org/presentationml/2006/main">
   <p:cSld>
     <p:spTree>
@@ -4667,10 +5967,18 @@
           <a:lstStyle/>
           <a:p>
             <a:r>
-              <a:rPr lang="es-ES" dirty="0" smtClean="0"/>
-              <a:t>Casos de uso</a:t>
-            </a:r>
-            <a:endParaRPr lang="es-ES" dirty="0"/>
+              <a:rPr lang="es-ES" dirty="0" smtClean="0">
+                <a:solidFill>
+                  <a:srgbClr val="FF0000"/>
+                </a:solidFill>
+              </a:rPr>
+              <a:t>Resultados de las iteraciones</a:t>
+            </a:r>
+            <a:endParaRPr lang="es-ES" dirty="0">
+              <a:solidFill>
+                <a:srgbClr val="FF0000"/>
+              </a:solidFill>
+            </a:endParaRPr>
           </a:p>
         </p:txBody>
       </p:sp>
@@ -4696,7 +6004,177 @@
     </p:spTree>
     <p:extLst>
       <p:ext uri="{BB962C8B-B14F-4D97-AF65-F5344CB8AC3E}">
-        <p14:creationId xmlns:p14="http://schemas.microsoft.com/office/powerpoint/2010/main" val="1351571430"/>
+        <p14:creationId xmlns:p14="http://schemas.microsoft.com/office/powerpoint/2010/main" val="2651195599"/>
+      </p:ext>
+    </p:extLst>
+  </p:cSld>
+  <p:clrMapOvr>
+    <a:masterClrMapping/>
+  </p:clrMapOvr>
+  <p:timing>
+    <p:tnLst>
+      <p:par>
+        <p:cTn id="1" dur="indefinite" restart="never" nodeType="tmRoot"/>
+      </p:par>
+    </p:tnLst>
+  </p:timing>
+</p:sld>
+</file>
+
+<file path=ppt/slides/slide35.xml><?xml version="1.0" encoding="utf-8"?>
+<p:sld xmlns:a="http://schemas.openxmlformats.org/drawingml/2006/main" xmlns:r="http://schemas.openxmlformats.org/officeDocument/2006/relationships" xmlns:p="http://schemas.openxmlformats.org/presentationml/2006/main">
+  <p:cSld>
+    <p:spTree>
+      <p:nvGrpSpPr>
+        <p:cNvPr id="1" name=""/>
+        <p:cNvGrpSpPr/>
+        <p:nvPr/>
+      </p:nvGrpSpPr>
+      <p:grpSpPr>
+        <a:xfrm>
+          <a:off x="0" y="0"/>
+          <a:ext cx="0" cy="0"/>
+          <a:chOff x="0" y="0"/>
+          <a:chExt cx="0" cy="0"/>
+        </a:xfrm>
+      </p:grpSpPr>
+      <p:sp>
+        <p:nvSpPr>
+          <p:cNvPr id="2" name="Título 1"/>
+          <p:cNvSpPr>
+            <a:spLocks noGrp="1"/>
+          </p:cNvSpPr>
+          <p:nvPr>
+            <p:ph type="title"/>
+          </p:nvPr>
+        </p:nvSpPr>
+        <p:spPr/>
+        <p:txBody>
+          <a:bodyPr/>
+          <a:lstStyle/>
+          <a:p>
+            <a:pPr algn="ctr"/>
+            <a:r>
+              <a:rPr lang="es-ES" dirty="0" smtClean="0"/>
+              <a:t>Graficas de trabajo</a:t>
+            </a:r>
+            <a:endParaRPr lang="es-ES" dirty="0"/>
+          </a:p>
+        </p:txBody>
+      </p:sp>
+      <p:pic>
+        <p:nvPicPr>
+          <p:cNvPr id="7" name="Imagen 6"/>
+          <p:cNvPicPr>
+            <a:picLocks noChangeAspect="1"/>
+          </p:cNvPicPr>
+          <p:nvPr/>
+        </p:nvPicPr>
+        <p:blipFill>
+          <a:blip r:embed="rId2"/>
+          <a:stretch>
+            <a:fillRect/>
+          </a:stretch>
+        </p:blipFill>
+        <p:spPr>
+          <a:xfrm>
+            <a:off x="141668" y="1690689"/>
+            <a:ext cx="8873543" cy="4826021"/>
+          </a:xfrm>
+          <a:prstGeom prst="rect">
+            <a:avLst/>
+          </a:prstGeom>
+        </p:spPr>
+      </p:pic>
+    </p:spTree>
+    <p:extLst>
+      <p:ext uri="{BB962C8B-B14F-4D97-AF65-F5344CB8AC3E}">
+        <p14:creationId xmlns:p14="http://schemas.microsoft.com/office/powerpoint/2010/main" val="2206409221"/>
+      </p:ext>
+    </p:extLst>
+  </p:cSld>
+  <p:clrMapOvr>
+    <a:masterClrMapping/>
+  </p:clrMapOvr>
+  <p:timing>
+    <p:tnLst>
+      <p:par>
+        <p:cTn id="1" dur="indefinite" restart="never" nodeType="tmRoot"/>
+      </p:par>
+    </p:tnLst>
+  </p:timing>
+</p:sld>
+</file>
+
+<file path=ppt/slides/slide36.xml><?xml version="1.0" encoding="utf-8"?>
+<p:sld xmlns:a="http://schemas.openxmlformats.org/drawingml/2006/main" xmlns:r="http://schemas.openxmlformats.org/officeDocument/2006/relationships" xmlns:p="http://schemas.openxmlformats.org/presentationml/2006/main">
+  <p:cSld>
+    <p:spTree>
+      <p:nvGrpSpPr>
+        <p:cNvPr id="1" name=""/>
+        <p:cNvGrpSpPr/>
+        <p:nvPr/>
+      </p:nvGrpSpPr>
+      <p:grpSpPr>
+        <a:xfrm>
+          <a:off x="0" y="0"/>
+          <a:ext cx="0" cy="0"/>
+          <a:chOff x="0" y="0"/>
+          <a:chExt cx="0" cy="0"/>
+        </a:xfrm>
+      </p:grpSpPr>
+      <p:sp>
+        <p:nvSpPr>
+          <p:cNvPr id="2" name="Título 1"/>
+          <p:cNvSpPr>
+            <a:spLocks noGrp="1"/>
+          </p:cNvSpPr>
+          <p:nvPr>
+            <p:ph type="title"/>
+          </p:nvPr>
+        </p:nvSpPr>
+        <p:spPr/>
+        <p:txBody>
+          <a:bodyPr/>
+          <a:lstStyle/>
+          <a:p>
+            <a:pPr algn="ctr"/>
+            <a:r>
+              <a:rPr lang="es-ES" dirty="0" smtClean="0"/>
+              <a:t>Graficas de trabajo</a:t>
+            </a:r>
+            <a:endParaRPr lang="es-ES" dirty="0"/>
+          </a:p>
+        </p:txBody>
+      </p:sp>
+      <p:pic>
+        <p:nvPicPr>
+          <p:cNvPr id="5" name="Imagen 4"/>
+          <p:cNvPicPr>
+            <a:picLocks noChangeAspect="1"/>
+          </p:cNvPicPr>
+          <p:nvPr/>
+        </p:nvPicPr>
+        <p:blipFill>
+          <a:blip r:embed="rId3"/>
+          <a:stretch>
+            <a:fillRect/>
+          </a:stretch>
+        </p:blipFill>
+        <p:spPr>
+          <a:xfrm>
+            <a:off x="373486" y="1690689"/>
+            <a:ext cx="8141863" cy="4877535"/>
+          </a:xfrm>
+          <a:prstGeom prst="rect">
+            <a:avLst/>
+          </a:prstGeom>
+        </p:spPr>
+      </p:pic>
+    </p:spTree>
+    <p:extLst>
+      <p:ext uri="{BB962C8B-B14F-4D97-AF65-F5344CB8AC3E}">
+        <p14:creationId xmlns:p14="http://schemas.microsoft.com/office/powerpoint/2010/main" val="623772947"/>
       </p:ext>
     </p:extLst>
   </p:cSld>
@@ -4732,36 +6210,539 @@
       </p:grpSpPr>
       <p:pic>
         <p:nvPicPr>
-          <p:cNvPr id="7" name="Marcador de posición de imagen 6"/>
+          <p:cNvPr id="1026" name="Picture 2" descr="http://www.dma.fi.upm.es/icons/upm-T.gif"/>
           <p:cNvPicPr>
-            <a:picLocks noGrp="1" noChangeAspect="1"/>
+            <a:picLocks noChangeAspect="1" noChangeArrowheads="1"/>
           </p:cNvPicPr>
-          <p:nvPr>
-            <p:ph type="pic" idx="4294967295"/>
-          </p:nvPr>
+          <p:nvPr/>
         </p:nvPicPr>
-        <p:blipFill rotWithShape="1">
-          <a:blip r:embed="rId2">
+        <p:blipFill>
+          <a:blip r:embed="rId2" cstate="print">
             <a:extLst>
               <a:ext uri="{28A0092B-C50C-407E-A947-70E740481C1C}">
                 <a14:useLocalDpi xmlns:a14="http://schemas.microsoft.com/office/drawing/2010/main" val="0"/>
               </a:ext>
             </a:extLst>
           </a:blip>
-          <a:srcRect t="14584" b="-172"/>
-          <a:stretch/>
+          <a:srcRect/>
+          <a:stretch>
+            <a:fillRect/>
+          </a:stretch>
         </p:blipFill>
+        <p:spPr bwMode="auto">
+          <a:xfrm>
+            <a:off x="1636108" y="1710530"/>
+            <a:ext cx="1222460" cy="1404445"/>
+          </a:xfrm>
+          <a:prstGeom prst="rect">
+            <a:avLst/>
+          </a:prstGeom>
+          <a:noFill/>
+          <a:extLst>
+            <a:ext uri="{909E8E84-426E-40DD-AFC4-6F175D3DCCD1}">
+              <a14:hiddenFill xmlns:a14="http://schemas.microsoft.com/office/drawing/2010/main">
+                <a:solidFill>
+                  <a:srgbClr val="FFFFFF"/>
+                </a:solidFill>
+              </a14:hiddenFill>
+            </a:ext>
+          </a:extLst>
+        </p:spPr>
+      </p:pic>
+      <p:pic>
+        <p:nvPicPr>
+          <p:cNvPr id="1028" name="Picture 4" descr="http://fundacioninternationalstudies.org/wp-content/uploads/2011/03/logo_univ_carlosiii.gif"/>
+          <p:cNvPicPr>
+            <a:picLocks noChangeAspect="1" noChangeArrowheads="1"/>
+          </p:cNvPicPr>
+          <p:nvPr/>
+        </p:nvPicPr>
+        <p:blipFill>
+          <a:blip r:embed="rId3" cstate="print">
+            <a:extLst>
+              <a:ext uri="{28A0092B-C50C-407E-A947-70E740481C1C}">
+                <a14:useLocalDpi xmlns:a14="http://schemas.microsoft.com/office/drawing/2010/main" val="0"/>
+              </a:ext>
+            </a:extLst>
+          </a:blip>
+          <a:srcRect/>
+          <a:stretch>
+            <a:fillRect/>
+          </a:stretch>
+        </p:blipFill>
+        <p:spPr bwMode="auto">
+          <a:xfrm>
+            <a:off x="1636108" y="3114975"/>
+            <a:ext cx="1057140" cy="1057140"/>
+          </a:xfrm>
+          <a:prstGeom prst="rect">
+            <a:avLst/>
+          </a:prstGeom>
+          <a:noFill/>
+          <a:extLst>
+            <a:ext uri="{909E8E84-426E-40DD-AFC4-6F175D3DCCD1}">
+              <a14:hiddenFill xmlns:a14="http://schemas.microsoft.com/office/drawing/2010/main">
+                <a:solidFill>
+                  <a:srgbClr val="FFFFFF"/>
+                </a:solidFill>
+              </a14:hiddenFill>
+            </a:ext>
+          </a:extLst>
+        </p:spPr>
+      </p:pic>
+      <p:pic>
+        <p:nvPicPr>
+          <p:cNvPr id="1030" name="Picture 6" descr="https://encrypted-tbn3.gstatic.com/images?q=tbn:ANd9GcRgDo5zfrlQ14NyifpDSFAP0Vhju9BsijhJ12RWHW9u80cQgRrScQ"/>
+          <p:cNvPicPr>
+            <a:picLocks noChangeAspect="1" noChangeArrowheads="1"/>
+          </p:cNvPicPr>
+          <p:nvPr/>
+        </p:nvPicPr>
+        <p:blipFill>
+          <a:blip r:embed="rId4">
+            <a:extLst>
+              <a:ext uri="{28A0092B-C50C-407E-A947-70E740481C1C}">
+                <a14:useLocalDpi xmlns:a14="http://schemas.microsoft.com/office/drawing/2010/main" val="0"/>
+              </a:ext>
+            </a:extLst>
+          </a:blip>
+          <a:srcRect/>
+          <a:stretch>
+            <a:fillRect/>
+          </a:stretch>
+        </p:blipFill>
+        <p:spPr bwMode="auto">
+          <a:xfrm>
+            <a:off x="2858568" y="2322600"/>
+            <a:ext cx="918709" cy="1049953"/>
+          </a:xfrm>
+          <a:prstGeom prst="rect">
+            <a:avLst/>
+          </a:prstGeom>
+          <a:noFill/>
+          <a:extLst>
+            <a:ext uri="{909E8E84-426E-40DD-AFC4-6F175D3DCCD1}">
+              <a14:hiddenFill xmlns:a14="http://schemas.microsoft.com/office/drawing/2010/main">
+                <a:solidFill>
+                  <a:srgbClr val="FFFFFF"/>
+                </a:solidFill>
+              </a14:hiddenFill>
+            </a:ext>
+          </a:extLst>
+        </p:spPr>
+      </p:pic>
+      <p:pic>
+        <p:nvPicPr>
+          <p:cNvPr id="1032" name="Picture 8" descr="http://blog.uchceu.es/veterinaria/wp-content/uploads/sites/18/2012/06/latinu.jpg"/>
+          <p:cNvPicPr>
+            <a:picLocks noChangeAspect="1" noChangeArrowheads="1"/>
+          </p:cNvPicPr>
+          <p:nvPr/>
+        </p:nvPicPr>
+        <p:blipFill>
+          <a:blip r:embed="rId5" cstate="print">
+            <a:extLst>
+              <a:ext uri="{28A0092B-C50C-407E-A947-70E740481C1C}">
+                <a14:useLocalDpi xmlns:a14="http://schemas.microsoft.com/office/drawing/2010/main" val="0"/>
+              </a:ext>
+            </a:extLst>
+          </a:blip>
+          <a:srcRect/>
+          <a:stretch>
+            <a:fillRect/>
+          </a:stretch>
+        </p:blipFill>
+        <p:spPr bwMode="auto">
+          <a:xfrm>
+            <a:off x="361207" y="4808290"/>
+            <a:ext cx="2239168" cy="1512838"/>
+          </a:xfrm>
+          <a:prstGeom prst="rect">
+            <a:avLst/>
+          </a:prstGeom>
+          <a:noFill/>
+          <a:extLst>
+            <a:ext uri="{909E8E84-426E-40DD-AFC4-6F175D3DCCD1}">
+              <a14:hiddenFill xmlns:a14="http://schemas.microsoft.com/office/drawing/2010/main">
+                <a:solidFill>
+                  <a:srgbClr val="FFFFFF"/>
+                </a:solidFill>
+              </a14:hiddenFill>
+            </a:ext>
+          </a:extLst>
+        </p:spPr>
+      </p:pic>
+      <p:pic>
+        <p:nvPicPr>
+          <p:cNvPr id="1034" name="Picture 10" descr="http://noticiasbancarias.com/wp-content/uploads/2014/03/bbva_santander.jpg"/>
+          <p:cNvPicPr>
+            <a:picLocks noChangeAspect="1" noChangeArrowheads="1"/>
+          </p:cNvPicPr>
+          <p:nvPr/>
+        </p:nvPicPr>
+        <p:blipFill>
+          <a:blip r:embed="rId6" cstate="print">
+            <a:extLst>
+              <a:ext uri="{28A0092B-C50C-407E-A947-70E740481C1C}">
+                <a14:useLocalDpi xmlns:a14="http://schemas.microsoft.com/office/drawing/2010/main" val="0"/>
+              </a:ext>
+            </a:extLst>
+          </a:blip>
+          <a:srcRect/>
+          <a:stretch>
+            <a:fillRect/>
+          </a:stretch>
+        </p:blipFill>
+        <p:spPr bwMode="auto">
+          <a:xfrm>
+            <a:off x="5706368" y="2120454"/>
+            <a:ext cx="1802014" cy="1117249"/>
+          </a:xfrm>
+          <a:prstGeom prst="rect">
+            <a:avLst/>
+          </a:prstGeom>
+          <a:noFill/>
+          <a:extLst>
+            <a:ext uri="{909E8E84-426E-40DD-AFC4-6F175D3DCCD1}">
+              <a14:hiddenFill xmlns:a14="http://schemas.microsoft.com/office/drawing/2010/main">
+                <a:solidFill>
+                  <a:srgbClr val="FFFFFF"/>
+                </a:solidFill>
+              </a14:hiddenFill>
+            </a:ext>
+          </a:extLst>
+        </p:spPr>
+      </p:pic>
+      <p:pic>
+        <p:nvPicPr>
+          <p:cNvPr id="1036" name="Picture 12" descr="http://www.uam.es/carne/imagenes/carne2010-250.gif"/>
+          <p:cNvPicPr>
+            <a:picLocks noChangeAspect="1" noChangeArrowheads="1"/>
+          </p:cNvPicPr>
+          <p:nvPr/>
+        </p:nvPicPr>
+        <p:blipFill>
+          <a:blip r:embed="rId7" cstate="print">
+            <a:extLst>
+              <a:ext uri="{28A0092B-C50C-407E-A947-70E740481C1C}">
+                <a14:useLocalDpi xmlns:a14="http://schemas.microsoft.com/office/drawing/2010/main" val="0"/>
+              </a:ext>
+            </a:extLst>
+          </a:blip>
+          <a:srcRect/>
+          <a:stretch>
+            <a:fillRect/>
+          </a:stretch>
+        </p:blipFill>
+        <p:spPr bwMode="auto">
+          <a:xfrm>
+            <a:off x="6832119" y="5271512"/>
+            <a:ext cx="977767" cy="621860"/>
+          </a:xfrm>
+          <a:prstGeom prst="rect">
+            <a:avLst/>
+          </a:prstGeom>
+          <a:noFill/>
+          <a:extLst>
+            <a:ext uri="{909E8E84-426E-40DD-AFC4-6F175D3DCCD1}">
+              <a14:hiddenFill xmlns:a14="http://schemas.microsoft.com/office/drawing/2010/main">
+                <a:solidFill>
+                  <a:srgbClr val="FFFFFF"/>
+                </a:solidFill>
+              </a14:hiddenFill>
+            </a:ext>
+          </a:extLst>
+        </p:spPr>
+      </p:pic>
+      <p:pic>
+        <p:nvPicPr>
+          <p:cNvPr id="1038" name="Picture 14" descr="http://biblioteca.ucm.es/media/images/blogs/fotoblog4579.jpg"/>
+          <p:cNvPicPr>
+            <a:picLocks noChangeAspect="1" noChangeArrowheads="1"/>
+          </p:cNvPicPr>
+          <p:nvPr/>
+        </p:nvPicPr>
+        <p:blipFill>
+          <a:blip r:embed="rId8">
+            <a:extLst>
+              <a:ext uri="{28A0092B-C50C-407E-A947-70E740481C1C}">
+                <a14:useLocalDpi xmlns:a14="http://schemas.microsoft.com/office/drawing/2010/main" val="0"/>
+              </a:ext>
+            </a:extLst>
+          </a:blip>
+          <a:srcRect/>
+          <a:stretch>
+            <a:fillRect/>
+          </a:stretch>
+        </p:blipFill>
+        <p:spPr bwMode="auto">
+          <a:xfrm>
+            <a:off x="7290748" y="4808290"/>
+            <a:ext cx="1038275" cy="657326"/>
+          </a:xfrm>
+          <a:prstGeom prst="rect">
+            <a:avLst/>
+          </a:prstGeom>
+          <a:noFill/>
+          <a:extLst>
+            <a:ext uri="{909E8E84-426E-40DD-AFC4-6F175D3DCCD1}">
+              <a14:hiddenFill xmlns:a14="http://schemas.microsoft.com/office/drawing/2010/main">
+                <a:solidFill>
+                  <a:srgbClr val="FFFFFF"/>
+                </a:solidFill>
+              </a14:hiddenFill>
+            </a:ext>
+          </a:extLst>
+        </p:spPr>
+      </p:pic>
+      <p:pic>
+        <p:nvPicPr>
+          <p:cNvPr id="1040" name="Picture 16" descr="http://www.upm.es/sfs/Rectorado/Vicerrectorado%20de%20Tecnologias%20de%20la%20Informacion%20y%20Servicios%20en%20Red/Servicio%20de%20Planificacion%20de%20Sistemas%20de%20Informacion/Carne%20Universitario/carne.JPG"/>
+          <p:cNvPicPr>
+            <a:picLocks noChangeAspect="1" noChangeArrowheads="1"/>
+          </p:cNvPicPr>
+          <p:nvPr/>
+        </p:nvPicPr>
+        <p:blipFill>
+          <a:blip r:embed="rId9" cstate="print">
+            <a:extLst>
+              <a:ext uri="{28A0092B-C50C-407E-A947-70E740481C1C}">
+                <a14:useLocalDpi xmlns:a14="http://schemas.microsoft.com/office/drawing/2010/main" val="0"/>
+              </a:ext>
+            </a:extLst>
+          </a:blip>
+          <a:srcRect/>
+          <a:stretch>
+            <a:fillRect/>
+          </a:stretch>
+        </p:blipFill>
+        <p:spPr bwMode="auto">
+          <a:xfrm>
+            <a:off x="7809885" y="5433276"/>
+            <a:ext cx="1012744" cy="695892"/>
+          </a:xfrm>
+          <a:prstGeom prst="rect">
+            <a:avLst/>
+          </a:prstGeom>
+          <a:noFill/>
+          <a:extLst>
+            <a:ext uri="{909E8E84-426E-40DD-AFC4-6F175D3DCCD1}">
+              <a14:hiddenFill xmlns:a14="http://schemas.microsoft.com/office/drawing/2010/main">
+                <a:solidFill>
+                  <a:srgbClr val="FFFFFF"/>
+                </a:solidFill>
+              </a14:hiddenFill>
+            </a:ext>
+          </a:extLst>
+        </p:spPr>
+      </p:pic>
+      <p:pic>
+        <p:nvPicPr>
+          <p:cNvPr id="1042" name="Picture 18" descr="https://encrypted-tbn0.gstatic.com/images?q=tbn:ANd9GcTv8H-_ShnbjufphAKLCbFvuozSyRpQ_8jVbbRQPuMwH8ceCGlPzA"/>
+          <p:cNvPicPr>
+            <a:picLocks noChangeAspect="1" noChangeArrowheads="1"/>
+          </p:cNvPicPr>
+          <p:nvPr/>
+        </p:nvPicPr>
+        <p:blipFill>
+          <a:blip r:embed="rId10">
+            <a:extLst>
+              <a:ext uri="{28A0092B-C50C-407E-A947-70E740481C1C}">
+                <a14:useLocalDpi xmlns:a14="http://schemas.microsoft.com/office/drawing/2010/main" val="0"/>
+              </a:ext>
+            </a:extLst>
+          </a:blip>
+          <a:srcRect/>
+          <a:stretch>
+            <a:fillRect/>
+          </a:stretch>
+        </p:blipFill>
+        <p:spPr bwMode="auto">
+          <a:xfrm>
+            <a:off x="3515092" y="4138223"/>
+            <a:ext cx="1943681" cy="1207129"/>
+          </a:xfrm>
+          <a:prstGeom prst="rect">
+            <a:avLst/>
+          </a:prstGeom>
+          <a:noFill/>
+          <a:extLst>
+            <a:ext uri="{909E8E84-426E-40DD-AFC4-6F175D3DCCD1}">
+              <a14:hiddenFill xmlns:a14="http://schemas.microsoft.com/office/drawing/2010/main">
+                <a:solidFill>
+                  <a:srgbClr val="FFFFFF"/>
+                </a:solidFill>
+              </a14:hiddenFill>
+            </a:ext>
+          </a:extLst>
+        </p:spPr>
+      </p:pic>
+      <p:cxnSp>
+        <p:nvCxnSpPr>
+          <p:cNvPr id="5" name="Conector recto de flecha 4"/>
+          <p:cNvCxnSpPr/>
+          <p:nvPr/>
+        </p:nvCxnSpPr>
+        <p:spPr>
+          <a:xfrm flipV="1">
+            <a:off x="2459865" y="4919730"/>
+            <a:ext cx="1055227" cy="513546"/>
+          </a:xfrm>
+          <a:prstGeom prst="straightConnector1">
+            <a:avLst/>
+          </a:prstGeom>
+          <a:ln>
+            <a:tailEnd type="triangle"/>
+          </a:ln>
+        </p:spPr>
+        <p:style>
+          <a:lnRef idx="1">
+            <a:schemeClr val="accent1"/>
+          </a:lnRef>
+          <a:fillRef idx="0">
+            <a:schemeClr val="accent1"/>
+          </a:fillRef>
+          <a:effectRef idx="0">
+            <a:schemeClr val="accent1"/>
+          </a:effectRef>
+          <a:fontRef idx="minor">
+            <a:schemeClr val="tx1"/>
+          </a:fontRef>
+        </p:style>
+      </p:cxnSp>
+      <p:cxnSp>
+        <p:nvCxnSpPr>
+          <p:cNvPr id="15" name="Conector recto de flecha 14"/>
+          <p:cNvCxnSpPr/>
+          <p:nvPr/>
+        </p:nvCxnSpPr>
         <p:spPr>
           <a:xfrm>
-            <a:off x="2233123" y="811316"/>
-            <a:ext cx="4629150" cy="5384800"/>
+            <a:off x="2858568" y="3250371"/>
+            <a:ext cx="1198277" cy="1218599"/>
           </a:xfrm>
+          <a:prstGeom prst="straightConnector1">
+            <a:avLst/>
+          </a:prstGeom>
+          <a:ln>
+            <a:tailEnd type="triangle"/>
+          </a:ln>
         </p:spPr>
-      </p:pic>
+        <p:style>
+          <a:lnRef idx="1">
+            <a:schemeClr val="accent1"/>
+          </a:lnRef>
+          <a:fillRef idx="0">
+            <a:schemeClr val="accent1"/>
+          </a:fillRef>
+          <a:effectRef idx="0">
+            <a:schemeClr val="accent1"/>
+          </a:effectRef>
+          <a:fontRef idx="minor">
+            <a:schemeClr val="tx1"/>
+          </a:fontRef>
+        </p:style>
+      </p:cxnSp>
+      <p:cxnSp>
+        <p:nvCxnSpPr>
+          <p:cNvPr id="18" name="Conector recto de flecha 17"/>
+          <p:cNvCxnSpPr/>
+          <p:nvPr/>
+        </p:nvCxnSpPr>
+        <p:spPr>
+          <a:xfrm flipH="1">
+            <a:off x="4999737" y="3292885"/>
+            <a:ext cx="1607638" cy="1021538"/>
+          </a:xfrm>
+          <a:prstGeom prst="straightConnector1">
+            <a:avLst/>
+          </a:prstGeom>
+          <a:ln>
+            <a:tailEnd type="triangle"/>
+          </a:ln>
+        </p:spPr>
+        <p:style>
+          <a:lnRef idx="1">
+            <a:schemeClr val="accent1"/>
+          </a:lnRef>
+          <a:fillRef idx="0">
+            <a:schemeClr val="accent1"/>
+          </a:fillRef>
+          <a:effectRef idx="0">
+            <a:schemeClr val="accent1"/>
+          </a:effectRef>
+          <a:fontRef idx="minor">
+            <a:schemeClr val="tx1"/>
+          </a:fontRef>
+        </p:style>
+      </p:cxnSp>
+      <p:cxnSp>
+        <p:nvCxnSpPr>
+          <p:cNvPr id="21" name="Conector recto de flecha 20"/>
+          <p:cNvCxnSpPr/>
+          <p:nvPr/>
+        </p:nvCxnSpPr>
+        <p:spPr>
+          <a:xfrm flipH="1" flipV="1">
+            <a:off x="5106438" y="4919730"/>
+            <a:ext cx="1671973" cy="425622"/>
+          </a:xfrm>
+          <a:prstGeom prst="straightConnector1">
+            <a:avLst/>
+          </a:prstGeom>
+          <a:ln>
+            <a:tailEnd type="triangle"/>
+          </a:ln>
+        </p:spPr>
+        <p:style>
+          <a:lnRef idx="1">
+            <a:schemeClr val="accent1"/>
+          </a:lnRef>
+          <a:fillRef idx="0">
+            <a:schemeClr val="accent1"/>
+          </a:fillRef>
+          <a:effectRef idx="0">
+            <a:schemeClr val="accent1"/>
+          </a:effectRef>
+          <a:fontRef idx="minor">
+            <a:schemeClr val="tx1"/>
+          </a:fontRef>
+        </p:style>
+      </p:cxnSp>
+      <p:sp>
+        <p:nvSpPr>
+          <p:cNvPr id="11" name="CuadroTexto 10"/>
+          <p:cNvSpPr txBox="1"/>
+          <p:nvPr/>
+        </p:nvSpPr>
+        <p:spPr>
+          <a:xfrm>
+            <a:off x="463639" y="376825"/>
+            <a:ext cx="7878263" cy="707886"/>
+          </a:xfrm>
+          <a:prstGeom prst="rect">
+            <a:avLst/>
+          </a:prstGeom>
+          <a:noFill/>
+        </p:spPr>
+        <p:txBody>
+          <a:bodyPr wrap="square" rtlCol="0">
+            <a:spAutoFit/>
+          </a:bodyPr>
+          <a:lstStyle/>
+          <a:p>
+            <a:r>
+              <a:rPr lang="es-ES" sz="4000" dirty="0" smtClean="0"/>
+              <a:t>Gestión de tarjeta universitarias</a:t>
+            </a:r>
+            <a:endParaRPr lang="es-ES" sz="4000" dirty="0"/>
+          </a:p>
+        </p:txBody>
+      </p:sp>
     </p:spTree>
     <p:extLst>
       <p:ext uri="{BB962C8B-B14F-4D97-AF65-F5344CB8AC3E}">
-        <p14:creationId xmlns:p14="http://schemas.microsoft.com/office/powerpoint/2010/main" val="3189989521"/>
+        <p14:creationId xmlns:p14="http://schemas.microsoft.com/office/powerpoint/2010/main" val="2588532679"/>
       </p:ext>
     </p:extLst>
   </p:cSld>
@@ -4797,7 +6778,7 @@
       </p:grpSpPr>
       <p:sp>
         <p:nvSpPr>
-          <p:cNvPr id="5" name="Título 4"/>
+          <p:cNvPr id="2" name="Título 1"/>
           <p:cNvSpPr>
             <a:spLocks noGrp="1"/>
           </p:cNvSpPr>
@@ -4811,35 +6792,28 @@
           <a:lstStyle/>
           <a:p>
             <a:r>
-              <a:rPr lang="es-ES" dirty="0" smtClean="0"/>
-              <a:t>Solicitar Carnet Universitario</a:t>
-            </a:r>
-            <a:endParaRPr lang="es-ES" dirty="0"/>
-          </a:p>
-        </p:txBody>
-      </p:sp>
-      <p:sp>
-        <p:nvSpPr>
-          <p:cNvPr id="6" name="Marcador de contenido 5"/>
-          <p:cNvSpPr>
-            <a:spLocks noGrp="1"/>
-          </p:cNvSpPr>
-          <p:nvPr>
-            <p:ph idx="1"/>
-          </p:nvPr>
-        </p:nvSpPr>
-        <p:spPr/>
-        <p:txBody>
-          <a:bodyPr/>
-          <a:lstStyle/>
-          <a:p>
+              <a:rPr lang="es-ES" dirty="0" err="1" smtClean="0">
+                <a:solidFill>
+                  <a:srgbClr val="FF0000"/>
+                </a:solidFill>
+              </a:rPr>
+              <a:t>Metodologia</a:t>
+            </a:r>
             <a:r>
               <a:rPr lang="es-ES" dirty="0" smtClean="0">
                 <a:solidFill>
                   <a:srgbClr val="FF0000"/>
                 </a:solidFill>
               </a:rPr>
-              <a:t>¿DIAGRAMA DE SECUENCIA DEL CASO DE USO?</a:t>
+              <a:t> </a:t>
+            </a:r>
+            <a:r>
+              <a:rPr lang="es-ES" dirty="0" err="1" smtClean="0">
+                <a:solidFill>
+                  <a:srgbClr val="FF0000"/>
+                </a:solidFill>
+              </a:rPr>
+              <a:t>Scrum</a:t>
             </a:r>
             <a:endParaRPr lang="es-ES" dirty="0">
               <a:solidFill>
@@ -4849,10 +6823,29 @@
           </a:p>
         </p:txBody>
       </p:sp>
+      <p:sp>
+        <p:nvSpPr>
+          <p:cNvPr id="5" name="Marcador de texto 4"/>
+          <p:cNvSpPr>
+            <a:spLocks noGrp="1"/>
+          </p:cNvSpPr>
+          <p:nvPr>
+            <p:ph type="body" idx="1"/>
+          </p:nvPr>
+        </p:nvSpPr>
+        <p:spPr/>
+        <p:txBody>
+          <a:bodyPr/>
+          <a:lstStyle/>
+          <a:p>
+            <a:endParaRPr lang="es-ES"/>
+          </a:p>
+        </p:txBody>
+      </p:sp>
     </p:spTree>
     <p:extLst>
       <p:ext uri="{BB962C8B-B14F-4D97-AF65-F5344CB8AC3E}">
-        <p14:creationId xmlns:p14="http://schemas.microsoft.com/office/powerpoint/2010/main" val="1475588357"/>
+        <p14:creationId xmlns:p14="http://schemas.microsoft.com/office/powerpoint/2010/main" val="109912433"/>
       </p:ext>
     </p:extLst>
   </p:cSld>
@@ -4896,58 +6889,222 @@
             <p:ph type="title"/>
           </p:nvPr>
         </p:nvSpPr>
-        <p:spPr/>
-        <p:txBody>
-          <a:bodyPr/>
-          <a:lstStyle/>
-          <a:p>
+        <p:spPr>
+          <a:xfrm>
+            <a:off x="628650" y="1131095"/>
+            <a:ext cx="7886700" cy="711390"/>
+          </a:xfrm>
+        </p:spPr>
+        <p:txBody>
+          <a:bodyPr/>
+          <a:lstStyle/>
+          <a:p>
+            <a:pPr algn="ctr"/>
             <a:r>
               <a:rPr lang="es-ES" dirty="0" smtClean="0"/>
-              <a:t>Gestionar solicitudes</a:t>
+              <a:t>Roles de la metodología </a:t>
             </a:r>
             <a:endParaRPr lang="es-ES" dirty="0"/>
           </a:p>
         </p:txBody>
       </p:sp>
-      <p:sp>
-        <p:nvSpPr>
-          <p:cNvPr id="3" name="Marcador de contenido 2"/>
-          <p:cNvSpPr>
-            <a:spLocks noGrp="1"/>
-          </p:cNvSpPr>
-          <p:nvPr>
-            <p:ph idx="1"/>
-          </p:nvPr>
-        </p:nvSpPr>
-        <p:spPr/>
-        <p:txBody>
-          <a:bodyPr/>
-          <a:lstStyle/>
-          <a:p>
-            <a:r>
-              <a:rPr lang="es-ES" dirty="0">
-                <a:solidFill>
-                  <a:srgbClr val="FF0000"/>
-                </a:solidFill>
-              </a:rPr>
-              <a:t>¿DIAGRAMA DE SECUENCIA DEL CASO DE USO?</a:t>
-            </a:r>
-          </a:p>
-          <a:p>
-            <a:endParaRPr lang="es-ES" dirty="0"/>
+      <p:pic>
+        <p:nvPicPr>
+          <p:cNvPr id="5" name="Imagen 4"/>
+          <p:cNvPicPr>
+            <a:picLocks noChangeAspect="1"/>
+          </p:cNvPicPr>
+          <p:nvPr/>
+        </p:nvPicPr>
+        <p:blipFill>
+          <a:blip r:embed="rId2">
+            <a:extLst>
+              <a:ext uri="{28A0092B-C50C-407E-A947-70E740481C1C}">
+                <a14:useLocalDpi xmlns:a14="http://schemas.microsoft.com/office/drawing/2010/main" val="0"/>
+              </a:ext>
+            </a:extLst>
+          </a:blip>
+          <a:stretch>
+            <a:fillRect/>
+          </a:stretch>
+        </p:blipFill>
+        <p:spPr>
+          <a:xfrm>
+            <a:off x="2644999" y="2381534"/>
+            <a:ext cx="3854002" cy="3298878"/>
+          </a:xfrm>
+          <a:prstGeom prst="rect">
+            <a:avLst/>
+          </a:prstGeom>
+        </p:spPr>
+      </p:pic>
+      <p:sp>
+        <p:nvSpPr>
+          <p:cNvPr id="6" name="CuadroTexto 5"/>
+          <p:cNvSpPr txBox="1"/>
+          <p:nvPr/>
+        </p:nvSpPr>
+        <p:spPr>
+          <a:xfrm>
+            <a:off x="840346" y="3753974"/>
+            <a:ext cx="1719330" cy="300082"/>
+          </a:xfrm>
+          <a:prstGeom prst="rect">
+            <a:avLst/>
+          </a:prstGeom>
+          <a:noFill/>
+        </p:spPr>
+        <p:txBody>
+          <a:bodyPr wrap="square" rtlCol="0">
+            <a:spAutoFit/>
+          </a:bodyPr>
+          <a:lstStyle/>
+          <a:p>
+            <a:r>
+              <a:rPr lang="es-ES" sz="1350" dirty="0"/>
+              <a:t>Juan Carlos Dueñas</a:t>
+            </a:r>
+          </a:p>
+        </p:txBody>
+      </p:sp>
+      <p:sp>
+        <p:nvSpPr>
+          <p:cNvPr id="7" name="CuadroTexto 6"/>
+          <p:cNvSpPr txBox="1"/>
+          <p:nvPr/>
+        </p:nvSpPr>
+        <p:spPr>
+          <a:xfrm>
+            <a:off x="6796020" y="4052541"/>
+            <a:ext cx="1719330" cy="300082"/>
+          </a:xfrm>
+          <a:prstGeom prst="rect">
+            <a:avLst/>
+          </a:prstGeom>
+          <a:noFill/>
+        </p:spPr>
+        <p:txBody>
+          <a:bodyPr wrap="square" rtlCol="0">
+            <a:spAutoFit/>
+          </a:bodyPr>
+          <a:lstStyle/>
+          <a:p>
+            <a:r>
+              <a:rPr lang="es-ES" sz="1350" dirty="0"/>
+              <a:t>Enrique Ruiz</a:t>
+            </a:r>
+          </a:p>
+        </p:txBody>
+      </p:sp>
+      <p:sp>
+        <p:nvSpPr>
+          <p:cNvPr id="8" name="CuadroTexto 7"/>
+          <p:cNvSpPr txBox="1"/>
+          <p:nvPr/>
+        </p:nvSpPr>
+        <p:spPr>
+          <a:xfrm>
+            <a:off x="4694349" y="2381534"/>
+            <a:ext cx="2298879" cy="300082"/>
+          </a:xfrm>
+          <a:prstGeom prst="rect">
+            <a:avLst/>
+          </a:prstGeom>
+          <a:noFill/>
+        </p:spPr>
+        <p:txBody>
+          <a:bodyPr wrap="square" rtlCol="0">
+            <a:spAutoFit/>
+          </a:bodyPr>
+          <a:lstStyle/>
+          <a:p>
+            <a:r>
+              <a:rPr lang="es-ES" sz="1350" dirty="0"/>
+              <a:t>Manuel Toro</a:t>
+            </a:r>
+          </a:p>
+        </p:txBody>
+      </p:sp>
+      <p:sp>
+        <p:nvSpPr>
+          <p:cNvPr id="10" name="CuadroTexto 9"/>
+          <p:cNvSpPr txBox="1"/>
+          <p:nvPr/>
+        </p:nvSpPr>
+        <p:spPr>
+          <a:xfrm>
+            <a:off x="1400578" y="4894777"/>
+            <a:ext cx="2801155" cy="1131079"/>
+          </a:xfrm>
+          <a:prstGeom prst="rect">
+            <a:avLst/>
+          </a:prstGeom>
+          <a:noFill/>
+        </p:spPr>
+        <p:txBody>
+          <a:bodyPr wrap="square" rtlCol="0">
+            <a:spAutoFit/>
+          </a:bodyPr>
+          <a:lstStyle/>
+          <a:p>
+            <a:r>
+              <a:rPr lang="es-ES" sz="1350" dirty="0"/>
+              <a:t>Brian </a:t>
+            </a:r>
+            <a:r>
+              <a:rPr lang="es-ES" sz="1350" dirty="0" err="1"/>
+              <a:t>Saul</a:t>
+            </a:r>
+            <a:r>
+              <a:rPr lang="es-ES" sz="1350" dirty="0"/>
+              <a:t> </a:t>
+            </a:r>
+            <a:r>
+              <a:rPr lang="es-ES" sz="1350" dirty="0" err="1"/>
+              <a:t>Vazquez</a:t>
+            </a:r>
+            <a:endParaRPr lang="es-ES" sz="1350" dirty="0"/>
+          </a:p>
+          <a:p>
+            <a:r>
+              <a:rPr lang="es-ES" sz="1350" dirty="0"/>
+              <a:t>Gonzalo Pérez-Tomé</a:t>
+            </a:r>
+          </a:p>
+          <a:p>
+            <a:r>
+              <a:rPr lang="es-ES" sz="1350" dirty="0"/>
+              <a:t>Jorge Ulloa</a:t>
+            </a:r>
+          </a:p>
+          <a:p>
+            <a:r>
+              <a:rPr lang="es-ES" sz="1350" dirty="0"/>
+              <a:t>Manuel Martínez</a:t>
+            </a:r>
+          </a:p>
+          <a:p>
+            <a:endParaRPr lang="es-ES" sz="1350" dirty="0"/>
           </a:p>
         </p:txBody>
       </p:sp>
     </p:spTree>
     <p:extLst>
       <p:ext uri="{BB962C8B-B14F-4D97-AF65-F5344CB8AC3E}">
-        <p14:creationId xmlns:p14="http://schemas.microsoft.com/office/powerpoint/2010/main" val="499422598"/>
+        <p14:creationId xmlns:p14="http://schemas.microsoft.com/office/powerpoint/2010/main" val="2390867687"/>
       </p:ext>
     </p:extLst>
   </p:cSld>
   <p:clrMapOvr>
     <a:masterClrMapping/>
   </p:clrMapOvr>
+  <p:timing>
+    <p:tnLst>
+      <p:par>
+        <p:cTn id="1" dur="indefinite" restart="never" nodeType="tmRoot"/>
+      </p:par>
+    </p:tnLst>
+  </p:timing>
 </p:sld>
 </file>
 
@@ -4983,53 +7140,56 @@
           <a:bodyPr/>
           <a:lstStyle/>
           <a:p>
+            <a:pPr algn="ctr"/>
             <a:r>
               <a:rPr lang="es-ES" dirty="0" smtClean="0"/>
-              <a:t>Modificar datos propios</a:t>
+              <a:t>Línea temporal del proyecto</a:t>
             </a:r>
             <a:endParaRPr lang="es-ES" dirty="0"/>
           </a:p>
         </p:txBody>
       </p:sp>
-      <p:sp>
-        <p:nvSpPr>
-          <p:cNvPr id="3" name="Marcador de contenido 2"/>
-          <p:cNvSpPr>
-            <a:spLocks noGrp="1"/>
-          </p:cNvSpPr>
-          <p:nvPr>
-            <p:ph idx="1"/>
-          </p:nvPr>
-        </p:nvSpPr>
-        <p:spPr/>
-        <p:txBody>
-          <a:bodyPr/>
-          <a:lstStyle/>
-          <a:p>
-            <a:r>
-              <a:rPr lang="es-ES" dirty="0">
-                <a:solidFill>
-                  <a:srgbClr val="FF0000"/>
-                </a:solidFill>
-              </a:rPr>
-              <a:t>¿DIAGRAMA DE SECUENCIA DEL CASO DE USO?</a:t>
-            </a:r>
-          </a:p>
-          <a:p>
-            <a:endParaRPr lang="es-ES" dirty="0"/>
-          </a:p>
-        </p:txBody>
-      </p:sp>
+      <p:pic>
+        <p:nvPicPr>
+          <p:cNvPr id="4" name="Imagen 3"/>
+          <p:cNvPicPr>
+            <a:picLocks noChangeAspect="1"/>
+          </p:cNvPicPr>
+          <p:nvPr/>
+        </p:nvPicPr>
+        <p:blipFill>
+          <a:blip r:embed="rId2"/>
+          <a:stretch>
+            <a:fillRect/>
+          </a:stretch>
+        </p:blipFill>
+        <p:spPr>
+          <a:xfrm>
+            <a:off x="253769" y="1378038"/>
+            <a:ext cx="8538385" cy="5164429"/>
+          </a:xfrm>
+          <a:prstGeom prst="rect">
+            <a:avLst/>
+          </a:prstGeom>
+        </p:spPr>
+      </p:pic>
     </p:spTree>
     <p:extLst>
       <p:ext uri="{BB962C8B-B14F-4D97-AF65-F5344CB8AC3E}">
-        <p14:creationId xmlns:p14="http://schemas.microsoft.com/office/powerpoint/2010/main" val="3437982297"/>
+        <p14:creationId xmlns:p14="http://schemas.microsoft.com/office/powerpoint/2010/main" val="1565257424"/>
       </p:ext>
     </p:extLst>
   </p:cSld>
   <p:clrMapOvr>
     <a:masterClrMapping/>
   </p:clrMapOvr>
+  <p:timing>
+    <p:tnLst>
+      <p:par>
+        <p:cTn id="1" dur="indefinite" restart="never" nodeType="tmRoot"/>
+      </p:par>
+    </p:tnLst>
+  </p:timing>
 </p:sld>
 </file>
 
@@ -5065,53 +7225,56 @@
           <a:bodyPr/>
           <a:lstStyle/>
           <a:p>
+            <a:pPr algn="ctr"/>
             <a:r>
               <a:rPr lang="es-ES" dirty="0" smtClean="0"/>
-              <a:t>Gestionar usuarios</a:t>
+              <a:t>Línea temporal del proyecto</a:t>
             </a:r>
             <a:endParaRPr lang="es-ES" dirty="0"/>
           </a:p>
         </p:txBody>
       </p:sp>
-      <p:sp>
-        <p:nvSpPr>
-          <p:cNvPr id="3" name="Marcador de contenido 2"/>
-          <p:cNvSpPr>
-            <a:spLocks noGrp="1"/>
-          </p:cNvSpPr>
-          <p:nvPr>
-            <p:ph idx="1"/>
-          </p:nvPr>
-        </p:nvSpPr>
-        <p:spPr/>
-        <p:txBody>
-          <a:bodyPr/>
-          <a:lstStyle/>
-          <a:p>
-            <a:r>
-              <a:rPr lang="es-ES" dirty="0">
-                <a:solidFill>
-                  <a:srgbClr val="FF0000"/>
-                </a:solidFill>
-              </a:rPr>
-              <a:t>¿DIAGRAMA DE SECUENCIA DEL CASO DE USO?</a:t>
-            </a:r>
-          </a:p>
-          <a:p>
-            <a:endParaRPr lang="es-ES" dirty="0"/>
-          </a:p>
-        </p:txBody>
-      </p:sp>
+      <p:pic>
+        <p:nvPicPr>
+          <p:cNvPr id="5" name="Imagen 4"/>
+          <p:cNvPicPr>
+            <a:picLocks noChangeAspect="1"/>
+          </p:cNvPicPr>
+          <p:nvPr/>
+        </p:nvPicPr>
+        <p:blipFill>
+          <a:blip r:embed="rId2"/>
+          <a:stretch>
+            <a:fillRect/>
+          </a:stretch>
+        </p:blipFill>
+        <p:spPr>
+          <a:xfrm>
+            <a:off x="412124" y="1330472"/>
+            <a:ext cx="8103226" cy="5172090"/>
+          </a:xfrm>
+          <a:prstGeom prst="rect">
+            <a:avLst/>
+          </a:prstGeom>
+        </p:spPr>
+      </p:pic>
     </p:spTree>
     <p:extLst>
       <p:ext uri="{BB962C8B-B14F-4D97-AF65-F5344CB8AC3E}">
-        <p14:creationId xmlns:p14="http://schemas.microsoft.com/office/powerpoint/2010/main" val="1311472560"/>
+        <p14:creationId xmlns:p14="http://schemas.microsoft.com/office/powerpoint/2010/main" val="1135371029"/>
       </p:ext>
     </p:extLst>
   </p:cSld>
   <p:clrMapOvr>
     <a:masterClrMapping/>
   </p:clrMapOvr>
+  <p:timing>
+    <p:tnLst>
+      <p:par>
+        <p:cTn id="1" dur="indefinite" restart="never" nodeType="tmRoot"/>
+      </p:par>
+    </p:tnLst>
+  </p:timing>
 </p:sld>
 </file>
 
@@ -5149,7 +7312,7 @@
           <a:p>
             <a:r>
               <a:rPr lang="es-ES" dirty="0" smtClean="0"/>
-              <a:t>Tecnologías utilizadas</a:t>
+              <a:t>Casos de uso</a:t>
             </a:r>
             <a:endParaRPr lang="es-ES" dirty="0"/>
           </a:p>
@@ -5177,13 +7340,20 @@
     </p:spTree>
     <p:extLst>
       <p:ext uri="{BB962C8B-B14F-4D97-AF65-F5344CB8AC3E}">
-        <p14:creationId xmlns:p14="http://schemas.microsoft.com/office/powerpoint/2010/main" val="1955749727"/>
+        <p14:creationId xmlns:p14="http://schemas.microsoft.com/office/powerpoint/2010/main" val="1351571430"/>
       </p:ext>
     </p:extLst>
   </p:cSld>
   <p:clrMapOvr>
     <a:masterClrMapping/>
   </p:clrMapOvr>
+  <p:timing>
+    <p:tnLst>
+      <p:par>
+        <p:cTn id="1" dur="indefinite" restart="never" nodeType="tmRoot"/>
+      </p:par>
+    </p:tnLst>
+  </p:timing>
 </p:sld>
 </file>
 
@@ -5446,4 +7616,265 @@
     </a:ext>
   </a:extLst>
 </a:theme>
+</file>
+
+<file path=ppt/theme/theme2.xml><?xml version="1.0" encoding="utf-8"?>
+<a:theme xmlns:a="http://schemas.openxmlformats.org/drawingml/2006/main" name="Tema de Office">
+  <a:themeElements>
+    <a:clrScheme name="Office">
+      <a:dk1>
+        <a:sysClr val="windowText" lastClr="000000"/>
+      </a:dk1>
+      <a:lt1>
+        <a:sysClr val="window" lastClr="FFFFFF"/>
+      </a:lt1>
+      <a:dk2>
+        <a:srgbClr val="44546A"/>
+      </a:dk2>
+      <a:lt2>
+        <a:srgbClr val="E7E6E6"/>
+      </a:lt2>
+      <a:accent1>
+        <a:srgbClr val="5B9BD5"/>
+      </a:accent1>
+      <a:accent2>
+        <a:srgbClr val="ED7D31"/>
+      </a:accent2>
+      <a:accent3>
+        <a:srgbClr val="A5A5A5"/>
+      </a:accent3>
+      <a:accent4>
+        <a:srgbClr val="FFC000"/>
+      </a:accent4>
+      <a:accent5>
+        <a:srgbClr val="4472C4"/>
+      </a:accent5>
+      <a:accent6>
+        <a:srgbClr val="70AD47"/>
+      </a:accent6>
+      <a:hlink>
+        <a:srgbClr val="0563C1"/>
+      </a:hlink>
+      <a:folHlink>
+        <a:srgbClr val="954F72"/>
+      </a:folHlink>
+    </a:clrScheme>
+    <a:fontScheme name="Office">
+      <a:majorFont>
+        <a:latin typeface="Calibri Light" panose="020F0302020204030204"/>
+        <a:ea typeface=""/>
+        <a:cs typeface=""/>
+        <a:font script="Jpan" typeface="ＭＳ Ｐゴシック"/>
+        <a:font script="Hang" typeface="맑은 고딕"/>
+        <a:font script="Hans" typeface="宋体"/>
+        <a:font script="Hant" typeface="新細明體"/>
+        <a:font script="Arab" typeface="Times New Roman"/>
+        <a:font script="Hebr" typeface="Times New Roman"/>
+        <a:font script="Thai" typeface="Angsana New"/>
+        <a:font script="Ethi" typeface="Nyala"/>
+        <a:font script="Beng" typeface="Vrinda"/>
+        <a:font script="Gujr" typeface="Shruti"/>
+        <a:font script="Khmr" typeface="MoolBoran"/>
+        <a:font script="Knda" typeface="Tunga"/>
+        <a:font script="Guru" typeface="Raavi"/>
+        <a:font script="Cans" typeface="Euphemia"/>
+        <a:font script="Cher" typeface="Plantagenet Cherokee"/>
+        <a:font script="Yiii" typeface="Microsoft Yi Baiti"/>
+        <a:font script="Tibt" typeface="Microsoft Himalaya"/>
+        <a:font script="Thaa" typeface="MV Boli"/>
+        <a:font script="Deva" typeface="Mangal"/>
+        <a:font script="Telu" typeface="Gautami"/>
+        <a:font script="Taml" typeface="Latha"/>
+        <a:font script="Syrc" typeface="Estrangelo Edessa"/>
+        <a:font script="Orya" typeface="Kalinga"/>
+        <a:font script="Mlym" typeface="Kartika"/>
+        <a:font script="Laoo" typeface="DokChampa"/>
+        <a:font script="Sinh" typeface="Iskoola Pota"/>
+        <a:font script="Mong" typeface="Mongolian Baiti"/>
+        <a:font script="Viet" typeface="Times New Roman"/>
+        <a:font script="Uigh" typeface="Microsoft Uighur"/>
+        <a:font script="Geor" typeface="Sylfaen"/>
+      </a:majorFont>
+      <a:minorFont>
+        <a:latin typeface="Calibri" panose="020F0502020204030204"/>
+        <a:ea typeface=""/>
+        <a:cs typeface=""/>
+        <a:font script="Jpan" typeface="ＭＳ Ｐゴシック"/>
+        <a:font script="Hang" typeface="맑은 고딕"/>
+        <a:font script="Hans" typeface="宋体"/>
+        <a:font script="Hant" typeface="新細明體"/>
+        <a:font script="Arab" typeface="Arial"/>
+        <a:font script="Hebr" typeface="Arial"/>
+        <a:font script="Thai" typeface="Cordia New"/>
+        <a:font script="Ethi" typeface="Nyala"/>
+        <a:font script="Beng" typeface="Vrinda"/>
+        <a:font script="Gujr" typeface="Shruti"/>
+        <a:font script="Khmr" typeface="DaunPenh"/>
+        <a:font script="Knda" typeface="Tunga"/>
+        <a:font script="Guru" typeface="Raavi"/>
+        <a:font script="Cans" typeface="Euphemia"/>
+        <a:font script="Cher" typeface="Plantagenet Cherokee"/>
+        <a:font script="Yiii" typeface="Microsoft Yi Baiti"/>
+        <a:font script="Tibt" typeface="Microsoft Himalaya"/>
+        <a:font script="Thaa" typeface="MV Boli"/>
+        <a:font script="Deva" typeface="Mangal"/>
+        <a:font script="Telu" typeface="Gautami"/>
+        <a:font script="Taml" typeface="Latha"/>
+        <a:font script="Syrc" typeface="Estrangelo Edessa"/>
+        <a:font script="Orya" typeface="Kalinga"/>
+        <a:font script="Mlym" typeface="Kartika"/>
+        <a:font script="Laoo" typeface="DokChampa"/>
+        <a:font script="Sinh" typeface="Iskoola Pota"/>
+        <a:font script="Mong" typeface="Mongolian Baiti"/>
+        <a:font script="Viet" typeface="Arial"/>
+        <a:font script="Uigh" typeface="Microsoft Uighur"/>
+        <a:font script="Geor" typeface="Sylfaen"/>
+      </a:minorFont>
+    </a:fontScheme>
+    <a:fmtScheme name="Office">
+      <a:fillStyleLst>
+        <a:solidFill>
+          <a:schemeClr val="phClr"/>
+        </a:solidFill>
+        <a:gradFill rotWithShape="1">
+          <a:gsLst>
+            <a:gs pos="0">
+              <a:schemeClr val="phClr">
+                <a:lumMod val="110000"/>
+                <a:satMod val="105000"/>
+                <a:tint val="67000"/>
+              </a:schemeClr>
+            </a:gs>
+            <a:gs pos="50000">
+              <a:schemeClr val="phClr">
+                <a:lumMod val="105000"/>
+                <a:satMod val="103000"/>
+                <a:tint val="73000"/>
+              </a:schemeClr>
+            </a:gs>
+            <a:gs pos="100000">
+              <a:schemeClr val="phClr">
+                <a:lumMod val="105000"/>
+                <a:satMod val="109000"/>
+                <a:tint val="81000"/>
+              </a:schemeClr>
+            </a:gs>
+          </a:gsLst>
+          <a:lin ang="5400000" scaled="0"/>
+        </a:gradFill>
+        <a:gradFill rotWithShape="1">
+          <a:gsLst>
+            <a:gs pos="0">
+              <a:schemeClr val="phClr">
+                <a:satMod val="103000"/>
+                <a:lumMod val="102000"/>
+                <a:tint val="94000"/>
+              </a:schemeClr>
+            </a:gs>
+            <a:gs pos="50000">
+              <a:schemeClr val="phClr">
+                <a:satMod val="110000"/>
+                <a:lumMod val="100000"/>
+                <a:shade val="100000"/>
+              </a:schemeClr>
+            </a:gs>
+            <a:gs pos="100000">
+              <a:schemeClr val="phClr">
+                <a:lumMod val="99000"/>
+                <a:satMod val="120000"/>
+                <a:shade val="78000"/>
+              </a:schemeClr>
+            </a:gs>
+          </a:gsLst>
+          <a:lin ang="5400000" scaled="0"/>
+        </a:gradFill>
+      </a:fillStyleLst>
+      <a:lnStyleLst>
+        <a:ln w="6350" cap="flat" cmpd="sng" algn="ctr">
+          <a:solidFill>
+            <a:schemeClr val="phClr"/>
+          </a:solidFill>
+          <a:prstDash val="solid"/>
+          <a:miter lim="800000"/>
+        </a:ln>
+        <a:ln w="12700" cap="flat" cmpd="sng" algn="ctr">
+          <a:solidFill>
+            <a:schemeClr val="phClr"/>
+          </a:solidFill>
+          <a:prstDash val="solid"/>
+          <a:miter lim="800000"/>
+        </a:ln>
+        <a:ln w="19050" cap="flat" cmpd="sng" algn="ctr">
+          <a:solidFill>
+            <a:schemeClr val="phClr"/>
+          </a:solidFill>
+          <a:prstDash val="solid"/>
+          <a:miter lim="800000"/>
+        </a:ln>
+      </a:lnStyleLst>
+      <a:effectStyleLst>
+        <a:effectStyle>
+          <a:effectLst/>
+        </a:effectStyle>
+        <a:effectStyle>
+          <a:effectLst/>
+        </a:effectStyle>
+        <a:effectStyle>
+          <a:effectLst>
+            <a:outerShdw blurRad="57150" dist="19050" dir="5400000" algn="ctr" rotWithShape="0">
+              <a:srgbClr val="000000">
+                <a:alpha val="63000"/>
+              </a:srgbClr>
+            </a:outerShdw>
+          </a:effectLst>
+        </a:effectStyle>
+      </a:effectStyleLst>
+      <a:bgFillStyleLst>
+        <a:solidFill>
+          <a:schemeClr val="phClr"/>
+        </a:solidFill>
+        <a:solidFill>
+          <a:schemeClr val="phClr">
+            <a:tint val="95000"/>
+            <a:satMod val="170000"/>
+          </a:schemeClr>
+        </a:solidFill>
+        <a:gradFill rotWithShape="1">
+          <a:gsLst>
+            <a:gs pos="0">
+              <a:schemeClr val="phClr">
+                <a:tint val="93000"/>
+                <a:satMod val="150000"/>
+                <a:shade val="98000"/>
+                <a:lumMod val="102000"/>
+              </a:schemeClr>
+            </a:gs>
+            <a:gs pos="50000">
+              <a:schemeClr val="phClr">
+                <a:tint val="98000"/>
+                <a:satMod val="130000"/>
+                <a:shade val="90000"/>
+                <a:lumMod val="103000"/>
+              </a:schemeClr>
+            </a:gs>
+            <a:gs pos="100000">
+              <a:schemeClr val="phClr">
+                <a:shade val="63000"/>
+                <a:satMod val="120000"/>
+              </a:schemeClr>
+            </a:gs>
+          </a:gsLst>
+          <a:lin ang="5400000" scaled="0"/>
+        </a:gradFill>
+      </a:bgFillStyleLst>
+    </a:fmtScheme>
+  </a:themeElements>
+  <a:objectDefaults/>
+  <a:extraClrSchemeLst/>
+  <a:extLst>
+    <a:ext uri="{05A4C25C-085E-4340-85A3-A5531E510DB2}">
+      <thm15:themeFamily xmlns:thm15="http://schemas.microsoft.com/office/thememl/2012/main" name="Office Theme" id="{62F939B6-93AF-4DB8-9C6B-D6C7DFDC589F}" vid="{4A3C46E8-61CC-4603-A589-7422A47A8E4A}"/>
+    </a:ext>
+  </a:extLst>
+</a:theme>
 </file>